--- a/Day21/树形dp.pptx
+++ b/Day21/树形dp.pptx
@@ -3,39 +3,39 @@
 <p:presentation xmlns:a="http://schemas.openxmlformats.org/drawingml/2006/main" xmlns:r="http://schemas.openxmlformats.org/officeDocument/2006/relationships" xmlns:p="http://schemas.openxmlformats.org/presentationml/2006/main">
   <p:sldMasterIdLst>
     <p:sldMasterId id="2147483648" r:id="rId1"/>
-    <p:sldMasterId id="2147483663" r:id="rId3"/>
+    <p:sldMasterId id="2147483663" r:id="rId2"/>
   </p:sldMasterIdLst>
   <p:notesMasterIdLst>
-    <p:notesMasterId r:id="rId7"/>
+    <p:notesMasterId r:id="rId22"/>
   </p:notesMasterIdLst>
   <p:handoutMasterIdLst>
-    <p:handoutMasterId r:id="rId24"/>
+    <p:handoutMasterId r:id="rId23"/>
   </p:handoutMasterIdLst>
   <p:sldIdLst>
-    <p:sldId id="318" r:id="rId4"/>
-    <p:sldId id="335" r:id="rId5"/>
-    <p:sldId id="386" r:id="rId6"/>
-    <p:sldId id="361" r:id="rId8"/>
-    <p:sldId id="363" r:id="rId9"/>
-    <p:sldId id="387" r:id="rId10"/>
-    <p:sldId id="388" r:id="rId11"/>
-    <p:sldId id="389" r:id="rId12"/>
-    <p:sldId id="390" r:id="rId13"/>
-    <p:sldId id="391" r:id="rId14"/>
-    <p:sldId id="392" r:id="rId15"/>
-    <p:sldId id="393" r:id="rId16"/>
-    <p:sldId id="394" r:id="rId17"/>
-    <p:sldId id="395" r:id="rId18"/>
-    <p:sldId id="364" r:id="rId19"/>
-    <p:sldId id="396" r:id="rId20"/>
-    <p:sldId id="397" r:id="rId21"/>
-    <p:sldId id="398" r:id="rId22"/>
-    <p:sldId id="319" r:id="rId23"/>
+    <p:sldId id="318" r:id="rId3"/>
+    <p:sldId id="335" r:id="rId4"/>
+    <p:sldId id="386" r:id="rId5"/>
+    <p:sldId id="361" r:id="rId6"/>
+    <p:sldId id="363" r:id="rId7"/>
+    <p:sldId id="387" r:id="rId8"/>
+    <p:sldId id="388" r:id="rId9"/>
+    <p:sldId id="389" r:id="rId10"/>
+    <p:sldId id="390" r:id="rId11"/>
+    <p:sldId id="391" r:id="rId12"/>
+    <p:sldId id="392" r:id="rId13"/>
+    <p:sldId id="393" r:id="rId14"/>
+    <p:sldId id="394" r:id="rId15"/>
+    <p:sldId id="395" r:id="rId16"/>
+    <p:sldId id="364" r:id="rId17"/>
+    <p:sldId id="396" r:id="rId18"/>
+    <p:sldId id="397" r:id="rId19"/>
+    <p:sldId id="398" r:id="rId20"/>
+    <p:sldId id="319" r:id="rId21"/>
   </p:sldIdLst>
   <p:sldSz cx="12192000" cy="6858000"/>
   <p:notesSz cx="6858000" cy="9144000"/>
   <p:custDataLst>
-    <p:tags r:id="rId28"/>
+    <p:tags r:id="rId24"/>
   </p:custDataLst>
   <p:defaultTextStyle>
     <a:defPPr>
@@ -233,6 +233,7 @@
           <a:p>
             <a:fld id="{0F9B84EA-7D68-4D60-9CB1-D50884785D1C}" type="datetimeFigureOut">
               <a:rPr lang="zh-CN" altLang="en-US" smtClean="0"/>
+              <a:t>2024/8/28</a:t>
             </a:fld>
             <a:endParaRPr lang="zh-CN" altLang="en-US"/>
           </a:p>
@@ -298,6 +299,7 @@
           <a:p>
             <a:fld id="{8D4E0FC9-F1F8-4FAE-9988-3BA365CFD46F}" type="slidenum">
               <a:rPr lang="zh-CN" altLang="en-US" smtClean="0"/>
+              <a:t>‹#›</a:t>
             </a:fld>
             <a:endParaRPr lang="zh-CN" altLang="en-US"/>
           </a:p>
@@ -391,6 +393,7 @@
           <a:p>
             <a:fld id="{D2A48B96-639E-45A3-A0BA-2464DFDB1FAA}" type="datetimeFigureOut">
               <a:rPr lang="zh-CN" altLang="en-US" smtClean="0"/>
+              <a:t>2024/8/28</a:t>
             </a:fld>
             <a:endParaRPr lang="zh-CN" altLang="en-US"/>
           </a:p>
@@ -457,7 +460,6 @@
               <a:rPr lang="zh-CN" altLang="en-US"/>
               <a:t>单击此处编辑母版文本样式</a:t>
             </a:r>
-            <a:endParaRPr lang="zh-CN" altLang="en-US"/>
           </a:p>
           <a:p>
             <a:pPr lvl="1"/>
@@ -465,7 +467,6 @@
               <a:rPr lang="zh-CN" altLang="en-US"/>
               <a:t>第二级</a:t>
             </a:r>
-            <a:endParaRPr lang="zh-CN" altLang="en-US"/>
           </a:p>
           <a:p>
             <a:pPr lvl="2"/>
@@ -473,7 +474,6 @@
               <a:rPr lang="zh-CN" altLang="en-US"/>
               <a:t>第三级</a:t>
             </a:r>
-            <a:endParaRPr lang="zh-CN" altLang="en-US"/>
           </a:p>
           <a:p>
             <a:pPr lvl="3"/>
@@ -481,7 +481,6 @@
               <a:rPr lang="zh-CN" altLang="en-US"/>
               <a:t>第四级</a:t>
             </a:r>
-            <a:endParaRPr lang="zh-CN" altLang="en-US"/>
           </a:p>
           <a:p>
             <a:pPr lvl="4"/>
@@ -489,7 +488,6 @@
               <a:rPr lang="zh-CN" altLang="en-US"/>
               <a:t>第五级</a:t>
             </a:r>
-            <a:endParaRPr lang="zh-CN" altLang="en-US"/>
           </a:p>
         </p:txBody>
       </p:sp>
@@ -553,6 +551,7 @@
           <a:p>
             <a:fld id="{A6837353-30EB-4A48-80EB-173D804AEFBD}" type="slidenum">
               <a:rPr lang="zh-CN" altLang="en-US" smtClean="0"/>
+              <a:t>‹#›</a:t>
             </a:fld>
             <a:endParaRPr lang="zh-CN" altLang="en-US"/>
           </a:p>
@@ -665,12 +664,19 @@
         <p:cNvGrpSpPr/>
         <p:nvPr/>
       </p:nvGrpSpPr>
-      <p:grpSpPr/>
+      <p:grpSpPr>
+        <a:xfrm>
+          <a:off x="0" y="0"/>
+          <a:ext cx="0" cy="0"/>
+          <a:chOff x="0" y="0"/>
+          <a:chExt cx="0" cy="0"/>
+        </a:xfrm>
+      </p:grpSpPr>
       <p:sp>
         <p:nvSpPr>
           <p:cNvPr id="2" name="幻灯片图像占位符 1"/>
           <p:cNvSpPr>
-            <a:spLocks noGrp="1"/>
+            <a:spLocks noGrp="1" noRot="1" noChangeAspect="1"/>
           </p:cNvSpPr>
           <p:nvPr>
             <p:ph type="sldImg" idx="2"/>
@@ -691,6 +697,7 @@
         <p:spPr/>
         <p:txBody>
           <a:bodyPr/>
+          <a:lstStyle/>
           <a:p>
             <a:endParaRPr lang="zh-CN" altLang="en-US"/>
           </a:p>
@@ -713,12 +720,19 @@
         <p:cNvGrpSpPr/>
         <p:nvPr/>
       </p:nvGrpSpPr>
-      <p:grpSpPr/>
+      <p:grpSpPr>
+        <a:xfrm>
+          <a:off x="0" y="0"/>
+          <a:ext cx="0" cy="0"/>
+          <a:chOff x="0" y="0"/>
+          <a:chExt cx="0" cy="0"/>
+        </a:xfrm>
+      </p:grpSpPr>
       <p:sp>
         <p:nvSpPr>
           <p:cNvPr id="2" name="幻灯片图像占位符 1"/>
           <p:cNvSpPr>
-            <a:spLocks noGrp="1"/>
+            <a:spLocks noGrp="1" noRot="1" noChangeAspect="1"/>
           </p:cNvSpPr>
           <p:nvPr>
             <p:ph type="sldImg" idx="2"/>
@@ -739,6 +753,7 @@
         <p:spPr/>
         <p:txBody>
           <a:bodyPr/>
+          <a:lstStyle/>
           <a:p>
             <a:endParaRPr lang="zh-CN" altLang="en-US"/>
           </a:p>
@@ -797,7 +812,6 @@
               <a:rPr lang="zh-CN" altLang="en-US"/>
               <a:t>单击此处编辑母版标题样式</a:t>
             </a:r>
-            <a:endParaRPr lang="zh-CN" altLang="en-US"/>
           </a:p>
         </p:txBody>
       </p:sp>
@@ -862,7 +876,6 @@
               <a:rPr lang="zh-CN" altLang="en-US"/>
               <a:t>单击此处编辑母版副标题样式</a:t>
             </a:r>
-            <a:endParaRPr lang="zh-CN" altLang="en-US"/>
           </a:p>
         </p:txBody>
       </p:sp>
@@ -883,6 +896,7 @@
           <a:p>
             <a:fld id="{3F8BD901-69E9-4A98-9642-CD532B4D46CE}" type="datetimeFigureOut">
               <a:rPr lang="zh-CN" altLang="en-US" smtClean="0"/>
+              <a:t>2024/8/28</a:t>
             </a:fld>
             <a:endParaRPr lang="zh-CN" altLang="en-US"/>
           </a:p>
@@ -924,6 +938,7 @@
           <a:p>
             <a:fld id="{ABACDEC2-1BC6-4ED3-B53C-76D391717058}" type="slidenum">
               <a:rPr lang="zh-CN" altLang="en-US" smtClean="0"/>
+              <a:t>‹#›</a:t>
             </a:fld>
             <a:endParaRPr lang="zh-CN" altLang="en-US"/>
           </a:p>
@@ -934,11 +949,11 @@
   <p:clrMapOvr>
     <a:masterClrMapping/>
   </p:clrMapOvr>
-  <mc:AlternateContent xmlns:mc="http://schemas.openxmlformats.org/markup-compatibility/2006">
-    <mc:Choice xmlns:p14="http://schemas.microsoft.com/office/powerpoint/2010/main" Requires="p14">
-      <p:transition p14:dur="500"/>
+  <mc:AlternateContent xmlns:mc="http://schemas.openxmlformats.org/markup-compatibility/2006" xmlns:p14="http://schemas.microsoft.com/office/powerpoint/2010/main">
+    <mc:Choice Requires="p14">
+      <p:transition/>
     </mc:Choice>
-    <mc:Fallback>
+    <mc:Fallback xmlns="">
       <p:transition/>
     </mc:Fallback>
   </mc:AlternateContent>
@@ -981,7 +996,6 @@
               <a:rPr lang="zh-CN" altLang="en-US"/>
               <a:t>单击此处编辑母版标题样式</a:t>
             </a:r>
-            <a:endParaRPr lang="zh-CN" altLang="en-US"/>
           </a:p>
         </p:txBody>
       </p:sp>
@@ -1005,7 +1019,6 @@
               <a:rPr lang="zh-CN" altLang="en-US"/>
               <a:t>单击此处编辑母版文本样式</a:t>
             </a:r>
-            <a:endParaRPr lang="zh-CN" altLang="en-US"/>
           </a:p>
           <a:p>
             <a:pPr lvl="1"/>
@@ -1013,7 +1026,6 @@
               <a:rPr lang="zh-CN" altLang="en-US"/>
               <a:t>二级</a:t>
             </a:r>
-            <a:endParaRPr lang="zh-CN" altLang="en-US"/>
           </a:p>
           <a:p>
             <a:pPr lvl="2"/>
@@ -1021,7 +1033,6 @@
               <a:rPr lang="zh-CN" altLang="en-US"/>
               <a:t>三级</a:t>
             </a:r>
-            <a:endParaRPr lang="zh-CN" altLang="en-US"/>
           </a:p>
           <a:p>
             <a:pPr lvl="3"/>
@@ -1029,7 +1040,6 @@
               <a:rPr lang="zh-CN" altLang="en-US"/>
               <a:t>四级</a:t>
             </a:r>
-            <a:endParaRPr lang="zh-CN" altLang="en-US"/>
           </a:p>
           <a:p>
             <a:pPr lvl="4"/>
@@ -1037,7 +1047,6 @@
               <a:rPr lang="zh-CN" altLang="en-US"/>
               <a:t>五级</a:t>
             </a:r>
-            <a:endParaRPr lang="zh-CN" altLang="en-US"/>
           </a:p>
         </p:txBody>
       </p:sp>
@@ -1058,6 +1067,7 @@
           <a:p>
             <a:fld id="{3F8BD901-69E9-4A98-9642-CD532B4D46CE}" type="datetimeFigureOut">
               <a:rPr lang="zh-CN" altLang="en-US" smtClean="0"/>
+              <a:t>2024/8/28</a:t>
             </a:fld>
             <a:endParaRPr lang="zh-CN" altLang="en-US"/>
           </a:p>
@@ -1099,6 +1109,7 @@
           <a:p>
             <a:fld id="{ABACDEC2-1BC6-4ED3-B53C-76D391717058}" type="slidenum">
               <a:rPr lang="zh-CN" altLang="en-US" smtClean="0"/>
+              <a:t>‹#›</a:t>
             </a:fld>
             <a:endParaRPr lang="zh-CN" altLang="en-US"/>
           </a:p>
@@ -1109,11 +1120,11 @@
   <p:clrMapOvr>
     <a:masterClrMapping/>
   </p:clrMapOvr>
-  <mc:AlternateContent xmlns:mc="http://schemas.openxmlformats.org/markup-compatibility/2006">
-    <mc:Choice xmlns:p14="http://schemas.microsoft.com/office/powerpoint/2010/main" Requires="p14">
-      <p:transition p14:dur="500"/>
+  <mc:AlternateContent xmlns:mc="http://schemas.openxmlformats.org/markup-compatibility/2006" xmlns:p14="http://schemas.microsoft.com/office/powerpoint/2010/main">
+    <mc:Choice Requires="p14">
+      <p:transition/>
     </mc:Choice>
-    <mc:Fallback>
+    <mc:Fallback xmlns="">
       <p:transition/>
     </mc:Fallback>
   </mc:AlternateContent>
@@ -1161,7 +1172,6 @@
               <a:rPr lang="zh-CN" altLang="en-US"/>
               <a:t>单击此处编辑母版标题样式</a:t>
             </a:r>
-            <a:endParaRPr lang="zh-CN" altLang="en-US"/>
           </a:p>
         </p:txBody>
       </p:sp>
@@ -1190,7 +1200,6 @@
               <a:rPr lang="zh-CN" altLang="en-US"/>
               <a:t>单击此处编辑母版文本样式</a:t>
             </a:r>
-            <a:endParaRPr lang="zh-CN" altLang="en-US"/>
           </a:p>
           <a:p>
             <a:pPr lvl="1"/>
@@ -1198,7 +1207,6 @@
               <a:rPr lang="zh-CN" altLang="en-US"/>
               <a:t>二级</a:t>
             </a:r>
-            <a:endParaRPr lang="zh-CN" altLang="en-US"/>
           </a:p>
           <a:p>
             <a:pPr lvl="2"/>
@@ -1206,7 +1214,6 @@
               <a:rPr lang="zh-CN" altLang="en-US"/>
               <a:t>三级</a:t>
             </a:r>
-            <a:endParaRPr lang="zh-CN" altLang="en-US"/>
           </a:p>
           <a:p>
             <a:pPr lvl="3"/>
@@ -1214,7 +1221,6 @@
               <a:rPr lang="zh-CN" altLang="en-US"/>
               <a:t>四级</a:t>
             </a:r>
-            <a:endParaRPr lang="zh-CN" altLang="en-US"/>
           </a:p>
           <a:p>
             <a:pPr lvl="4"/>
@@ -1222,7 +1228,6 @@
               <a:rPr lang="zh-CN" altLang="en-US"/>
               <a:t>五级</a:t>
             </a:r>
-            <a:endParaRPr lang="zh-CN" altLang="en-US"/>
           </a:p>
         </p:txBody>
       </p:sp>
@@ -1243,6 +1248,7 @@
           <a:p>
             <a:fld id="{3F8BD901-69E9-4A98-9642-CD532B4D46CE}" type="datetimeFigureOut">
               <a:rPr lang="zh-CN" altLang="en-US" smtClean="0"/>
+              <a:t>2024/8/28</a:t>
             </a:fld>
             <a:endParaRPr lang="zh-CN" altLang="en-US"/>
           </a:p>
@@ -1284,6 +1290,7 @@
           <a:p>
             <a:fld id="{ABACDEC2-1BC6-4ED3-B53C-76D391717058}" type="slidenum">
               <a:rPr lang="zh-CN" altLang="en-US" smtClean="0"/>
+              <a:t>‹#›</a:t>
             </a:fld>
             <a:endParaRPr lang="zh-CN" altLang="en-US"/>
           </a:p>
@@ -1294,11 +1301,11 @@
   <p:clrMapOvr>
     <a:masterClrMapping/>
   </p:clrMapOvr>
-  <mc:AlternateContent xmlns:mc="http://schemas.openxmlformats.org/markup-compatibility/2006">
-    <mc:Choice xmlns:p14="http://schemas.microsoft.com/office/powerpoint/2010/main" Requires="p14">
-      <p:transition p14:dur="500"/>
+  <mc:AlternateContent xmlns:mc="http://schemas.openxmlformats.org/markup-compatibility/2006" xmlns:p14="http://schemas.microsoft.com/office/powerpoint/2010/main">
+    <mc:Choice Requires="p14">
+      <p:transition/>
     </mc:Choice>
-    <mc:Fallback>
+    <mc:Fallback xmlns="">
       <p:transition/>
     </mc:Fallback>
   </mc:AlternateContent>
@@ -1327,11 +1334,11 @@
   <p:clrMapOvr>
     <a:masterClrMapping/>
   </p:clrMapOvr>
-  <mc:AlternateContent xmlns:mc="http://schemas.openxmlformats.org/markup-compatibility/2006">
-    <mc:Choice xmlns:p14="http://schemas.microsoft.com/office/powerpoint/2010/main" Requires="p14">
-      <p:transition p14:dur="500"/>
+  <mc:AlternateContent xmlns:mc="http://schemas.openxmlformats.org/markup-compatibility/2006" xmlns:p14="http://schemas.microsoft.com/office/powerpoint/2010/main">
+    <mc:Choice Requires="p14">
+      <p:transition/>
     </mc:Choice>
-    <mc:Fallback>
+    <mc:Fallback xmlns="">
       <p:transition/>
     </mc:Fallback>
   </mc:AlternateContent>
@@ -1360,11 +1367,11 @@
   <p:clrMapOvr>
     <a:masterClrMapping/>
   </p:clrMapOvr>
-  <mc:AlternateContent xmlns:mc="http://schemas.openxmlformats.org/markup-compatibility/2006">
-    <mc:Choice xmlns:p14="http://schemas.microsoft.com/office/powerpoint/2010/main" Requires="p14">
-      <p:transition p14:dur="500"/>
+  <mc:AlternateContent xmlns:mc="http://schemas.openxmlformats.org/markup-compatibility/2006" xmlns:p14="http://schemas.microsoft.com/office/powerpoint/2010/main">
+    <mc:Choice Requires="p14">
+      <p:transition/>
     </mc:Choice>
-    <mc:Fallback>
+    <mc:Fallback xmlns="">
       <p:transition/>
     </mc:Fallback>
   </mc:AlternateContent>
@@ -1393,11 +1400,11 @@
   <p:clrMapOvr>
     <a:masterClrMapping/>
   </p:clrMapOvr>
-  <mc:AlternateContent xmlns:mc="http://schemas.openxmlformats.org/markup-compatibility/2006">
-    <mc:Choice xmlns:p14="http://schemas.microsoft.com/office/powerpoint/2010/main" Requires="p14">
-      <p:transition p14:dur="500"/>
+  <mc:AlternateContent xmlns:mc="http://schemas.openxmlformats.org/markup-compatibility/2006" xmlns:p14="http://schemas.microsoft.com/office/powerpoint/2010/main">
+    <mc:Choice Requires="p14">
+      <p:transition/>
     </mc:Choice>
-    <mc:Fallback>
+    <mc:Fallback xmlns="">
       <p:transition/>
     </mc:Fallback>
   </mc:AlternateContent>
@@ -1449,7 +1456,6 @@
               <a:rPr lang="zh-CN" altLang="en-US"/>
               <a:t>单击此处编辑母版标题样式</a:t>
             </a:r>
-            <a:endParaRPr lang="zh-CN" altLang="en-US"/>
           </a:p>
         </p:txBody>
       </p:sp>
@@ -1514,7 +1520,6 @@
               <a:rPr lang="zh-CN" altLang="en-US"/>
               <a:t>单击此处编辑母版副标题样式</a:t>
             </a:r>
-            <a:endParaRPr lang="zh-CN" altLang="en-US"/>
           </a:p>
         </p:txBody>
       </p:sp>
@@ -1535,6 +1540,7 @@
           <a:p>
             <a:fld id="{C4967958-85CE-43D6-BC89-99314CAB28BD}" type="datetimeFigureOut">
               <a:rPr lang="zh-CN" altLang="en-US" smtClean="0"/>
+              <a:t>2024/8/28</a:t>
             </a:fld>
             <a:endParaRPr lang="zh-CN" altLang="en-US"/>
           </a:p>
@@ -1576,6 +1582,7 @@
           <a:p>
             <a:fld id="{C21FEDAD-CB7D-4C28-A5CB-0CFE02C38076}" type="slidenum">
               <a:rPr lang="zh-CN" altLang="en-US" smtClean="0"/>
+              <a:t>‹#›</a:t>
             </a:fld>
             <a:endParaRPr lang="zh-CN" altLang="en-US"/>
           </a:p>
@@ -1586,11 +1593,11 @@
   <p:clrMapOvr>
     <a:masterClrMapping/>
   </p:clrMapOvr>
-  <mc:AlternateContent xmlns:mc="http://schemas.openxmlformats.org/markup-compatibility/2006">
-    <mc:Choice xmlns:p14="http://schemas.microsoft.com/office/powerpoint/2010/main" Requires="p14">
-      <p:transition p14:dur="500"/>
+  <mc:AlternateContent xmlns:mc="http://schemas.openxmlformats.org/markup-compatibility/2006" xmlns:p14="http://schemas.microsoft.com/office/powerpoint/2010/main">
+    <mc:Choice Requires="p14">
+      <p:transition/>
     </mc:Choice>
-    <mc:Fallback>
+    <mc:Fallback xmlns="">
       <p:transition/>
     </mc:Fallback>
   </mc:AlternateContent>
@@ -1633,7 +1640,6 @@
               <a:rPr lang="zh-CN" altLang="en-US"/>
               <a:t>单击此处编辑母版标题样式</a:t>
             </a:r>
-            <a:endParaRPr lang="zh-CN" altLang="en-US"/>
           </a:p>
         </p:txBody>
       </p:sp>
@@ -1657,7 +1663,6 @@
               <a:rPr lang="zh-CN" altLang="en-US"/>
               <a:t>单击此处编辑母版文本样式</a:t>
             </a:r>
-            <a:endParaRPr lang="zh-CN" altLang="en-US"/>
           </a:p>
           <a:p>
             <a:pPr lvl="1"/>
@@ -1665,7 +1670,6 @@
               <a:rPr lang="zh-CN" altLang="en-US"/>
               <a:t>二级</a:t>
             </a:r>
-            <a:endParaRPr lang="zh-CN" altLang="en-US"/>
           </a:p>
           <a:p>
             <a:pPr lvl="2"/>
@@ -1673,7 +1677,6 @@
               <a:rPr lang="zh-CN" altLang="en-US"/>
               <a:t>三级</a:t>
             </a:r>
-            <a:endParaRPr lang="zh-CN" altLang="en-US"/>
           </a:p>
           <a:p>
             <a:pPr lvl="3"/>
@@ -1681,7 +1684,6 @@
               <a:rPr lang="zh-CN" altLang="en-US"/>
               <a:t>四级</a:t>
             </a:r>
-            <a:endParaRPr lang="zh-CN" altLang="en-US"/>
           </a:p>
           <a:p>
             <a:pPr lvl="4"/>
@@ -1689,7 +1691,6 @@
               <a:rPr lang="zh-CN" altLang="en-US"/>
               <a:t>五级</a:t>
             </a:r>
-            <a:endParaRPr lang="zh-CN" altLang="en-US"/>
           </a:p>
         </p:txBody>
       </p:sp>
@@ -1710,6 +1711,7 @@
           <a:p>
             <a:fld id="{C4967958-85CE-43D6-BC89-99314CAB28BD}" type="datetimeFigureOut">
               <a:rPr lang="zh-CN" altLang="en-US" smtClean="0"/>
+              <a:t>2024/8/28</a:t>
             </a:fld>
             <a:endParaRPr lang="zh-CN" altLang="en-US"/>
           </a:p>
@@ -1751,6 +1753,7 @@
           <a:p>
             <a:fld id="{C21FEDAD-CB7D-4C28-A5CB-0CFE02C38076}" type="slidenum">
               <a:rPr lang="zh-CN" altLang="en-US" smtClean="0"/>
+              <a:t>‹#›</a:t>
             </a:fld>
             <a:endParaRPr lang="zh-CN" altLang="en-US"/>
           </a:p>
@@ -1761,11 +1764,11 @@
   <p:clrMapOvr>
     <a:masterClrMapping/>
   </p:clrMapOvr>
-  <mc:AlternateContent xmlns:mc="http://schemas.openxmlformats.org/markup-compatibility/2006">
-    <mc:Choice xmlns:p14="http://schemas.microsoft.com/office/powerpoint/2010/main" Requires="p14">
-      <p:transition p14:dur="500"/>
+  <mc:AlternateContent xmlns:mc="http://schemas.openxmlformats.org/markup-compatibility/2006" xmlns:p14="http://schemas.microsoft.com/office/powerpoint/2010/main">
+    <mc:Choice Requires="p14">
+      <p:transition/>
     </mc:Choice>
-    <mc:Fallback>
+    <mc:Fallback xmlns="">
       <p:transition/>
     </mc:Fallback>
   </mc:AlternateContent>
@@ -1817,7 +1820,6 @@
               <a:rPr lang="zh-CN" altLang="en-US"/>
               <a:t>单击此处编辑母版标题样式</a:t>
             </a:r>
-            <a:endParaRPr lang="zh-CN" altLang="en-US"/>
           </a:p>
         </p:txBody>
       </p:sp>
@@ -1937,7 +1939,6 @@
               <a:rPr lang="zh-CN" altLang="en-US"/>
               <a:t>单击此处编辑母版文本样式</a:t>
             </a:r>
-            <a:endParaRPr lang="zh-CN" altLang="en-US"/>
           </a:p>
         </p:txBody>
       </p:sp>
@@ -1958,6 +1959,7 @@
           <a:p>
             <a:fld id="{C4967958-85CE-43D6-BC89-99314CAB28BD}" type="datetimeFigureOut">
               <a:rPr lang="zh-CN" altLang="en-US" smtClean="0"/>
+              <a:t>2024/8/28</a:t>
             </a:fld>
             <a:endParaRPr lang="zh-CN" altLang="en-US"/>
           </a:p>
@@ -1999,6 +2001,7 @@
           <a:p>
             <a:fld id="{C21FEDAD-CB7D-4C28-A5CB-0CFE02C38076}" type="slidenum">
               <a:rPr lang="zh-CN" altLang="en-US" smtClean="0"/>
+              <a:t>‹#›</a:t>
             </a:fld>
             <a:endParaRPr lang="zh-CN" altLang="en-US"/>
           </a:p>
@@ -2009,11 +2012,11 @@
   <p:clrMapOvr>
     <a:masterClrMapping/>
   </p:clrMapOvr>
-  <mc:AlternateContent xmlns:mc="http://schemas.openxmlformats.org/markup-compatibility/2006">
-    <mc:Choice xmlns:p14="http://schemas.microsoft.com/office/powerpoint/2010/main" Requires="p14">
-      <p:transition p14:dur="500"/>
+  <mc:AlternateContent xmlns:mc="http://schemas.openxmlformats.org/markup-compatibility/2006" xmlns:p14="http://schemas.microsoft.com/office/powerpoint/2010/main">
+    <mc:Choice Requires="p14">
+      <p:transition/>
     </mc:Choice>
-    <mc:Fallback>
+    <mc:Fallback xmlns="">
       <p:transition/>
     </mc:Fallback>
   </mc:AlternateContent>
@@ -2056,7 +2059,6 @@
               <a:rPr lang="zh-CN" altLang="en-US"/>
               <a:t>单击此处编辑母版标题样式</a:t>
             </a:r>
-            <a:endParaRPr lang="zh-CN" altLang="en-US"/>
           </a:p>
         </p:txBody>
       </p:sp>
@@ -2085,7 +2087,6 @@
               <a:rPr lang="zh-CN" altLang="en-US"/>
               <a:t>单击此处编辑母版文本样式</a:t>
             </a:r>
-            <a:endParaRPr lang="zh-CN" altLang="en-US"/>
           </a:p>
           <a:p>
             <a:pPr lvl="1"/>
@@ -2093,7 +2094,6 @@
               <a:rPr lang="zh-CN" altLang="en-US"/>
               <a:t>二级</a:t>
             </a:r>
-            <a:endParaRPr lang="zh-CN" altLang="en-US"/>
           </a:p>
           <a:p>
             <a:pPr lvl="2"/>
@@ -2101,7 +2101,6 @@
               <a:rPr lang="zh-CN" altLang="en-US"/>
               <a:t>三级</a:t>
             </a:r>
-            <a:endParaRPr lang="zh-CN" altLang="en-US"/>
           </a:p>
           <a:p>
             <a:pPr lvl="3"/>
@@ -2109,7 +2108,6 @@
               <a:rPr lang="zh-CN" altLang="en-US"/>
               <a:t>四级</a:t>
             </a:r>
-            <a:endParaRPr lang="zh-CN" altLang="en-US"/>
           </a:p>
           <a:p>
             <a:pPr lvl="4"/>
@@ -2117,7 +2115,6 @@
               <a:rPr lang="zh-CN" altLang="en-US"/>
               <a:t>五级</a:t>
             </a:r>
-            <a:endParaRPr lang="zh-CN" altLang="en-US"/>
           </a:p>
         </p:txBody>
       </p:sp>
@@ -2146,7 +2143,6 @@
               <a:rPr lang="zh-CN" altLang="en-US"/>
               <a:t>单击此处编辑母版文本样式</a:t>
             </a:r>
-            <a:endParaRPr lang="zh-CN" altLang="en-US"/>
           </a:p>
           <a:p>
             <a:pPr lvl="1"/>
@@ -2154,7 +2150,6 @@
               <a:rPr lang="zh-CN" altLang="en-US"/>
               <a:t>二级</a:t>
             </a:r>
-            <a:endParaRPr lang="zh-CN" altLang="en-US"/>
           </a:p>
           <a:p>
             <a:pPr lvl="2"/>
@@ -2162,7 +2157,6 @@
               <a:rPr lang="zh-CN" altLang="en-US"/>
               <a:t>三级</a:t>
             </a:r>
-            <a:endParaRPr lang="zh-CN" altLang="en-US"/>
           </a:p>
           <a:p>
             <a:pPr lvl="3"/>
@@ -2170,7 +2164,6 @@
               <a:rPr lang="zh-CN" altLang="en-US"/>
               <a:t>四级</a:t>
             </a:r>
-            <a:endParaRPr lang="zh-CN" altLang="en-US"/>
           </a:p>
           <a:p>
             <a:pPr lvl="4"/>
@@ -2178,7 +2171,6 @@
               <a:rPr lang="zh-CN" altLang="en-US"/>
               <a:t>五级</a:t>
             </a:r>
-            <a:endParaRPr lang="zh-CN" altLang="en-US"/>
           </a:p>
         </p:txBody>
       </p:sp>
@@ -2199,6 +2191,7 @@
           <a:p>
             <a:fld id="{C4967958-85CE-43D6-BC89-99314CAB28BD}" type="datetimeFigureOut">
               <a:rPr lang="zh-CN" altLang="en-US" smtClean="0"/>
+              <a:t>2024/8/28</a:t>
             </a:fld>
             <a:endParaRPr lang="zh-CN" altLang="en-US"/>
           </a:p>
@@ -2240,6 +2233,7 @@
           <a:p>
             <a:fld id="{C21FEDAD-CB7D-4C28-A5CB-0CFE02C38076}" type="slidenum">
               <a:rPr lang="zh-CN" altLang="en-US" smtClean="0"/>
+              <a:t>‹#›</a:t>
             </a:fld>
             <a:endParaRPr lang="zh-CN" altLang="en-US"/>
           </a:p>
@@ -2250,11 +2244,11 @@
   <p:clrMapOvr>
     <a:masterClrMapping/>
   </p:clrMapOvr>
-  <mc:AlternateContent xmlns:mc="http://schemas.openxmlformats.org/markup-compatibility/2006">
-    <mc:Choice xmlns:p14="http://schemas.microsoft.com/office/powerpoint/2010/main" Requires="p14">
-      <p:transition p14:dur="500"/>
+  <mc:AlternateContent xmlns:mc="http://schemas.openxmlformats.org/markup-compatibility/2006" xmlns:p14="http://schemas.microsoft.com/office/powerpoint/2010/main">
+    <mc:Choice Requires="p14">
+      <p:transition/>
     </mc:Choice>
-    <mc:Fallback>
+    <mc:Fallback xmlns="">
       <p:transition/>
     </mc:Fallback>
   </mc:AlternateContent>
@@ -2302,7 +2296,6 @@
               <a:rPr lang="zh-CN" altLang="en-US"/>
               <a:t>单击此处编辑母版标题样式</a:t>
             </a:r>
-            <a:endParaRPr lang="zh-CN" altLang="en-US"/>
           </a:p>
         </p:txBody>
       </p:sp>
@@ -2368,7 +2361,6 @@
               <a:rPr lang="zh-CN" altLang="en-US"/>
               <a:t>单击此处编辑母版文本样式</a:t>
             </a:r>
-            <a:endParaRPr lang="zh-CN" altLang="en-US"/>
           </a:p>
         </p:txBody>
       </p:sp>
@@ -2397,7 +2389,6 @@
               <a:rPr lang="zh-CN" altLang="en-US"/>
               <a:t>单击此处编辑母版文本样式</a:t>
             </a:r>
-            <a:endParaRPr lang="zh-CN" altLang="en-US"/>
           </a:p>
           <a:p>
             <a:pPr lvl="1"/>
@@ -2405,7 +2396,6 @@
               <a:rPr lang="zh-CN" altLang="en-US"/>
               <a:t>二级</a:t>
             </a:r>
-            <a:endParaRPr lang="zh-CN" altLang="en-US"/>
           </a:p>
           <a:p>
             <a:pPr lvl="2"/>
@@ -2413,7 +2403,6 @@
               <a:rPr lang="zh-CN" altLang="en-US"/>
               <a:t>三级</a:t>
             </a:r>
-            <a:endParaRPr lang="zh-CN" altLang="en-US"/>
           </a:p>
           <a:p>
             <a:pPr lvl="3"/>
@@ -2421,7 +2410,6 @@
               <a:rPr lang="zh-CN" altLang="en-US"/>
               <a:t>四级</a:t>
             </a:r>
-            <a:endParaRPr lang="zh-CN" altLang="en-US"/>
           </a:p>
           <a:p>
             <a:pPr lvl="4"/>
@@ -2429,7 +2417,6 @@
               <a:rPr lang="zh-CN" altLang="en-US"/>
               <a:t>五级</a:t>
             </a:r>
-            <a:endParaRPr lang="zh-CN" altLang="en-US"/>
           </a:p>
         </p:txBody>
       </p:sp>
@@ -2495,7 +2482,6 @@
               <a:rPr lang="zh-CN" altLang="en-US"/>
               <a:t>单击此处编辑母版文本样式</a:t>
             </a:r>
-            <a:endParaRPr lang="zh-CN" altLang="en-US"/>
           </a:p>
         </p:txBody>
       </p:sp>
@@ -2524,7 +2510,6 @@
               <a:rPr lang="zh-CN" altLang="en-US"/>
               <a:t>单击此处编辑母版文本样式</a:t>
             </a:r>
-            <a:endParaRPr lang="zh-CN" altLang="en-US"/>
           </a:p>
           <a:p>
             <a:pPr lvl="1"/>
@@ -2532,7 +2517,6 @@
               <a:rPr lang="zh-CN" altLang="en-US"/>
               <a:t>二级</a:t>
             </a:r>
-            <a:endParaRPr lang="zh-CN" altLang="en-US"/>
           </a:p>
           <a:p>
             <a:pPr lvl="2"/>
@@ -2540,7 +2524,6 @@
               <a:rPr lang="zh-CN" altLang="en-US"/>
               <a:t>三级</a:t>
             </a:r>
-            <a:endParaRPr lang="zh-CN" altLang="en-US"/>
           </a:p>
           <a:p>
             <a:pPr lvl="3"/>
@@ -2548,7 +2531,6 @@
               <a:rPr lang="zh-CN" altLang="en-US"/>
               <a:t>四级</a:t>
             </a:r>
-            <a:endParaRPr lang="zh-CN" altLang="en-US"/>
           </a:p>
           <a:p>
             <a:pPr lvl="4"/>
@@ -2556,7 +2538,6 @@
               <a:rPr lang="zh-CN" altLang="en-US"/>
               <a:t>五级</a:t>
             </a:r>
-            <a:endParaRPr lang="zh-CN" altLang="en-US"/>
           </a:p>
         </p:txBody>
       </p:sp>
@@ -2577,6 +2558,7 @@
           <a:p>
             <a:fld id="{C4967958-85CE-43D6-BC89-99314CAB28BD}" type="datetimeFigureOut">
               <a:rPr lang="zh-CN" altLang="en-US" smtClean="0"/>
+              <a:t>2024/8/28</a:t>
             </a:fld>
             <a:endParaRPr lang="zh-CN" altLang="en-US"/>
           </a:p>
@@ -2618,6 +2600,7 @@
           <a:p>
             <a:fld id="{C21FEDAD-CB7D-4C28-A5CB-0CFE02C38076}" type="slidenum">
               <a:rPr lang="zh-CN" altLang="en-US" smtClean="0"/>
+              <a:t>‹#›</a:t>
             </a:fld>
             <a:endParaRPr lang="zh-CN" altLang="en-US"/>
           </a:p>
@@ -2628,11 +2611,11 @@
   <p:clrMapOvr>
     <a:masterClrMapping/>
   </p:clrMapOvr>
-  <mc:AlternateContent xmlns:mc="http://schemas.openxmlformats.org/markup-compatibility/2006">
-    <mc:Choice xmlns:p14="http://schemas.microsoft.com/office/powerpoint/2010/main" Requires="p14">
-      <p:transition p14:dur="500"/>
+  <mc:AlternateContent xmlns:mc="http://schemas.openxmlformats.org/markup-compatibility/2006" xmlns:p14="http://schemas.microsoft.com/office/powerpoint/2010/main">
+    <mc:Choice Requires="p14">
+      <p:transition/>
     </mc:Choice>
-    <mc:Fallback>
+    <mc:Fallback xmlns="">
       <p:transition/>
     </mc:Fallback>
   </mc:AlternateContent>
@@ -2675,7 +2658,6 @@
               <a:rPr lang="zh-CN" altLang="en-US"/>
               <a:t>单击此处编辑母版标题样式</a:t>
             </a:r>
-            <a:endParaRPr lang="zh-CN" altLang="en-US"/>
           </a:p>
         </p:txBody>
       </p:sp>
@@ -2699,7 +2681,6 @@
               <a:rPr lang="zh-CN" altLang="en-US"/>
               <a:t>单击此处编辑母版文本样式</a:t>
             </a:r>
-            <a:endParaRPr lang="zh-CN" altLang="en-US"/>
           </a:p>
           <a:p>
             <a:pPr lvl="1"/>
@@ -2707,7 +2688,6 @@
               <a:rPr lang="zh-CN" altLang="en-US"/>
               <a:t>二级</a:t>
             </a:r>
-            <a:endParaRPr lang="zh-CN" altLang="en-US"/>
           </a:p>
           <a:p>
             <a:pPr lvl="2"/>
@@ -2715,7 +2695,6 @@
               <a:rPr lang="zh-CN" altLang="en-US"/>
               <a:t>三级</a:t>
             </a:r>
-            <a:endParaRPr lang="zh-CN" altLang="en-US"/>
           </a:p>
           <a:p>
             <a:pPr lvl="3"/>
@@ -2723,7 +2702,6 @@
               <a:rPr lang="zh-CN" altLang="en-US"/>
               <a:t>四级</a:t>
             </a:r>
-            <a:endParaRPr lang="zh-CN" altLang="en-US"/>
           </a:p>
           <a:p>
             <a:pPr lvl="4"/>
@@ -2731,7 +2709,6 @@
               <a:rPr lang="zh-CN" altLang="en-US"/>
               <a:t>五级</a:t>
             </a:r>
-            <a:endParaRPr lang="zh-CN" altLang="en-US"/>
           </a:p>
         </p:txBody>
       </p:sp>
@@ -2752,6 +2729,7 @@
           <a:p>
             <a:fld id="{3F8BD901-69E9-4A98-9642-CD532B4D46CE}" type="datetimeFigureOut">
               <a:rPr lang="zh-CN" altLang="en-US" smtClean="0"/>
+              <a:t>2024/8/28</a:t>
             </a:fld>
             <a:endParaRPr lang="zh-CN" altLang="en-US"/>
           </a:p>
@@ -2793,6 +2771,7 @@
           <a:p>
             <a:fld id="{ABACDEC2-1BC6-4ED3-B53C-76D391717058}" type="slidenum">
               <a:rPr lang="zh-CN" altLang="en-US" smtClean="0"/>
+              <a:t>‹#›</a:t>
             </a:fld>
             <a:endParaRPr lang="zh-CN" altLang="en-US"/>
           </a:p>
@@ -2803,11 +2782,11 @@
   <p:clrMapOvr>
     <a:masterClrMapping/>
   </p:clrMapOvr>
-  <mc:AlternateContent xmlns:mc="http://schemas.openxmlformats.org/markup-compatibility/2006">
-    <mc:Choice xmlns:p14="http://schemas.microsoft.com/office/powerpoint/2010/main" Requires="p14">
-      <p:transition p14:dur="500"/>
+  <mc:AlternateContent xmlns:mc="http://schemas.openxmlformats.org/markup-compatibility/2006" xmlns:p14="http://schemas.microsoft.com/office/powerpoint/2010/main">
+    <mc:Choice Requires="p14">
+      <p:transition/>
     </mc:Choice>
-    <mc:Fallback>
+    <mc:Fallback xmlns="">
       <p:transition/>
     </mc:Fallback>
   </mc:AlternateContent>
@@ -2850,7 +2829,6 @@
               <a:rPr lang="zh-CN" altLang="en-US"/>
               <a:t>单击此处编辑母版标题样式</a:t>
             </a:r>
-            <a:endParaRPr lang="zh-CN" altLang="en-US"/>
           </a:p>
         </p:txBody>
       </p:sp>
@@ -2871,6 +2849,7 @@
           <a:p>
             <a:fld id="{C4967958-85CE-43D6-BC89-99314CAB28BD}" type="datetimeFigureOut">
               <a:rPr lang="zh-CN" altLang="en-US" smtClean="0"/>
+              <a:t>2024/8/28</a:t>
             </a:fld>
             <a:endParaRPr lang="zh-CN" altLang="en-US"/>
           </a:p>
@@ -2912,6 +2891,7 @@
           <a:p>
             <a:fld id="{C21FEDAD-CB7D-4C28-A5CB-0CFE02C38076}" type="slidenum">
               <a:rPr lang="zh-CN" altLang="en-US" smtClean="0"/>
+              <a:t>‹#›</a:t>
             </a:fld>
             <a:endParaRPr lang="zh-CN" altLang="en-US"/>
           </a:p>
@@ -2922,11 +2902,11 @@
   <p:clrMapOvr>
     <a:masterClrMapping/>
   </p:clrMapOvr>
-  <mc:AlternateContent xmlns:mc="http://schemas.openxmlformats.org/markup-compatibility/2006">
-    <mc:Choice xmlns:p14="http://schemas.microsoft.com/office/powerpoint/2010/main" Requires="p14">
-      <p:transition p14:dur="500"/>
+  <mc:AlternateContent xmlns:mc="http://schemas.openxmlformats.org/markup-compatibility/2006" xmlns:p14="http://schemas.microsoft.com/office/powerpoint/2010/main">
+    <mc:Choice Requires="p14">
+      <p:transition/>
     </mc:Choice>
-    <mc:Fallback>
+    <mc:Fallback xmlns="">
       <p:transition/>
     </mc:Fallback>
   </mc:AlternateContent>
@@ -2967,6 +2947,7 @@
           <a:p>
             <a:fld id="{C4967958-85CE-43D6-BC89-99314CAB28BD}" type="datetimeFigureOut">
               <a:rPr lang="zh-CN" altLang="en-US" smtClean="0"/>
+              <a:t>2024/8/28</a:t>
             </a:fld>
             <a:endParaRPr lang="zh-CN" altLang="en-US"/>
           </a:p>
@@ -3008,6 +2989,7 @@
           <a:p>
             <a:fld id="{C21FEDAD-CB7D-4C28-A5CB-0CFE02C38076}" type="slidenum">
               <a:rPr lang="zh-CN" altLang="en-US" smtClean="0"/>
+              <a:t>‹#›</a:t>
             </a:fld>
             <a:endParaRPr lang="zh-CN" altLang="en-US"/>
           </a:p>
@@ -3018,11 +3000,11 @@
   <p:clrMapOvr>
     <a:masterClrMapping/>
   </p:clrMapOvr>
-  <mc:AlternateContent xmlns:mc="http://schemas.openxmlformats.org/markup-compatibility/2006">
-    <mc:Choice xmlns:p14="http://schemas.microsoft.com/office/powerpoint/2010/main" Requires="p14">
-      <p:transition p14:dur="500"/>
+  <mc:AlternateContent xmlns:mc="http://schemas.openxmlformats.org/markup-compatibility/2006" xmlns:p14="http://schemas.microsoft.com/office/powerpoint/2010/main">
+    <mc:Choice Requires="p14">
+      <p:transition/>
     </mc:Choice>
-    <mc:Fallback>
+    <mc:Fallback xmlns="">
       <p:transition/>
     </mc:Fallback>
   </mc:AlternateContent>
@@ -3074,7 +3056,6 @@
               <a:rPr lang="zh-CN" altLang="en-US"/>
               <a:t>单击此处编辑母版标题样式</a:t>
             </a:r>
-            <a:endParaRPr lang="zh-CN" altLang="en-US"/>
           </a:p>
         </p:txBody>
       </p:sp>
@@ -3131,7 +3112,6 @@
               <a:rPr lang="zh-CN" altLang="en-US"/>
               <a:t>单击此处编辑母版文本样式</a:t>
             </a:r>
-            <a:endParaRPr lang="zh-CN" altLang="en-US"/>
           </a:p>
           <a:p>
             <a:pPr lvl="1"/>
@@ -3139,7 +3119,6 @@
               <a:rPr lang="zh-CN" altLang="en-US"/>
               <a:t>二级</a:t>
             </a:r>
-            <a:endParaRPr lang="zh-CN" altLang="en-US"/>
           </a:p>
           <a:p>
             <a:pPr lvl="2"/>
@@ -3147,7 +3126,6 @@
               <a:rPr lang="zh-CN" altLang="en-US"/>
               <a:t>三级</a:t>
             </a:r>
-            <a:endParaRPr lang="zh-CN" altLang="en-US"/>
           </a:p>
           <a:p>
             <a:pPr lvl="3"/>
@@ -3155,7 +3133,6 @@
               <a:rPr lang="zh-CN" altLang="en-US"/>
               <a:t>四级</a:t>
             </a:r>
-            <a:endParaRPr lang="zh-CN" altLang="en-US"/>
           </a:p>
           <a:p>
             <a:pPr lvl="4"/>
@@ -3163,7 +3140,6 @@
               <a:rPr lang="zh-CN" altLang="en-US"/>
               <a:t>五级</a:t>
             </a:r>
-            <a:endParaRPr lang="zh-CN" altLang="en-US"/>
           </a:p>
         </p:txBody>
       </p:sp>
@@ -3229,7 +3205,6 @@
               <a:rPr lang="zh-CN" altLang="en-US"/>
               <a:t>单击此处编辑母版文本样式</a:t>
             </a:r>
-            <a:endParaRPr lang="zh-CN" altLang="en-US"/>
           </a:p>
         </p:txBody>
       </p:sp>
@@ -3250,6 +3225,7 @@
           <a:p>
             <a:fld id="{C4967958-85CE-43D6-BC89-99314CAB28BD}" type="datetimeFigureOut">
               <a:rPr lang="zh-CN" altLang="en-US" smtClean="0"/>
+              <a:t>2024/8/28</a:t>
             </a:fld>
             <a:endParaRPr lang="zh-CN" altLang="en-US"/>
           </a:p>
@@ -3291,6 +3267,7 @@
           <a:p>
             <a:fld id="{C21FEDAD-CB7D-4C28-A5CB-0CFE02C38076}" type="slidenum">
               <a:rPr lang="zh-CN" altLang="en-US" smtClean="0"/>
+              <a:t>‹#›</a:t>
             </a:fld>
             <a:endParaRPr lang="zh-CN" altLang="en-US"/>
           </a:p>
@@ -3301,11 +3278,11 @@
   <p:clrMapOvr>
     <a:masterClrMapping/>
   </p:clrMapOvr>
-  <mc:AlternateContent xmlns:mc="http://schemas.openxmlformats.org/markup-compatibility/2006">
-    <mc:Choice xmlns:p14="http://schemas.microsoft.com/office/powerpoint/2010/main" Requires="p14">
-      <p:transition p14:dur="500"/>
+  <mc:AlternateContent xmlns:mc="http://schemas.openxmlformats.org/markup-compatibility/2006" xmlns:p14="http://schemas.microsoft.com/office/powerpoint/2010/main">
+    <mc:Choice Requires="p14">
+      <p:transition/>
     </mc:Choice>
-    <mc:Fallback>
+    <mc:Fallback xmlns="">
       <p:transition/>
     </mc:Fallback>
   </mc:AlternateContent>
@@ -3357,7 +3334,6 @@
               <a:rPr lang="zh-CN" altLang="en-US"/>
               <a:t>单击此处编辑母版标题样式</a:t>
             </a:r>
-            <a:endParaRPr lang="zh-CN" altLang="en-US"/>
           </a:p>
         </p:txBody>
       </p:sp>
@@ -3484,7 +3460,6 @@
               <a:rPr lang="zh-CN" altLang="en-US"/>
               <a:t>单击此处编辑母版文本样式</a:t>
             </a:r>
-            <a:endParaRPr lang="zh-CN" altLang="en-US"/>
           </a:p>
         </p:txBody>
       </p:sp>
@@ -3505,6 +3480,7 @@
           <a:p>
             <a:fld id="{C4967958-85CE-43D6-BC89-99314CAB28BD}" type="datetimeFigureOut">
               <a:rPr lang="zh-CN" altLang="en-US" smtClean="0"/>
+              <a:t>2024/8/28</a:t>
             </a:fld>
             <a:endParaRPr lang="zh-CN" altLang="en-US"/>
           </a:p>
@@ -3546,6 +3522,7 @@
           <a:p>
             <a:fld id="{C21FEDAD-CB7D-4C28-A5CB-0CFE02C38076}" type="slidenum">
               <a:rPr lang="zh-CN" altLang="en-US" smtClean="0"/>
+              <a:t>‹#›</a:t>
             </a:fld>
             <a:endParaRPr lang="zh-CN" altLang="en-US"/>
           </a:p>
@@ -3556,11 +3533,11 @@
   <p:clrMapOvr>
     <a:masterClrMapping/>
   </p:clrMapOvr>
-  <mc:AlternateContent xmlns:mc="http://schemas.openxmlformats.org/markup-compatibility/2006">
-    <mc:Choice xmlns:p14="http://schemas.microsoft.com/office/powerpoint/2010/main" Requires="p14">
-      <p:transition p14:dur="500"/>
+  <mc:AlternateContent xmlns:mc="http://schemas.openxmlformats.org/markup-compatibility/2006" xmlns:p14="http://schemas.microsoft.com/office/powerpoint/2010/main">
+    <mc:Choice Requires="p14">
+      <p:transition/>
     </mc:Choice>
-    <mc:Fallback>
+    <mc:Fallback xmlns="">
       <p:transition/>
     </mc:Fallback>
   </mc:AlternateContent>
@@ -3603,7 +3580,6 @@
               <a:rPr lang="zh-CN" altLang="en-US"/>
               <a:t>单击此处编辑母版标题样式</a:t>
             </a:r>
-            <a:endParaRPr lang="zh-CN" altLang="en-US"/>
           </a:p>
         </p:txBody>
       </p:sp>
@@ -3627,7 +3603,6 @@
               <a:rPr lang="zh-CN" altLang="en-US"/>
               <a:t>单击此处编辑母版文本样式</a:t>
             </a:r>
-            <a:endParaRPr lang="zh-CN" altLang="en-US"/>
           </a:p>
           <a:p>
             <a:pPr lvl="1"/>
@@ -3635,7 +3610,6 @@
               <a:rPr lang="zh-CN" altLang="en-US"/>
               <a:t>二级</a:t>
             </a:r>
-            <a:endParaRPr lang="zh-CN" altLang="en-US"/>
           </a:p>
           <a:p>
             <a:pPr lvl="2"/>
@@ -3643,7 +3617,6 @@
               <a:rPr lang="zh-CN" altLang="en-US"/>
               <a:t>三级</a:t>
             </a:r>
-            <a:endParaRPr lang="zh-CN" altLang="en-US"/>
           </a:p>
           <a:p>
             <a:pPr lvl="3"/>
@@ -3651,7 +3624,6 @@
               <a:rPr lang="zh-CN" altLang="en-US"/>
               <a:t>四级</a:t>
             </a:r>
-            <a:endParaRPr lang="zh-CN" altLang="en-US"/>
           </a:p>
           <a:p>
             <a:pPr lvl="4"/>
@@ -3659,7 +3631,6 @@
               <a:rPr lang="zh-CN" altLang="en-US"/>
               <a:t>五级</a:t>
             </a:r>
-            <a:endParaRPr lang="zh-CN" altLang="en-US"/>
           </a:p>
         </p:txBody>
       </p:sp>
@@ -3680,6 +3651,7 @@
           <a:p>
             <a:fld id="{C4967958-85CE-43D6-BC89-99314CAB28BD}" type="datetimeFigureOut">
               <a:rPr lang="zh-CN" altLang="en-US" smtClean="0"/>
+              <a:t>2024/8/28</a:t>
             </a:fld>
             <a:endParaRPr lang="zh-CN" altLang="en-US"/>
           </a:p>
@@ -3721,6 +3693,7 @@
           <a:p>
             <a:fld id="{C21FEDAD-CB7D-4C28-A5CB-0CFE02C38076}" type="slidenum">
               <a:rPr lang="zh-CN" altLang="en-US" smtClean="0"/>
+              <a:t>‹#›</a:t>
             </a:fld>
             <a:endParaRPr lang="zh-CN" altLang="en-US"/>
           </a:p>
@@ -3731,11 +3704,11 @@
   <p:clrMapOvr>
     <a:masterClrMapping/>
   </p:clrMapOvr>
-  <mc:AlternateContent xmlns:mc="http://schemas.openxmlformats.org/markup-compatibility/2006">
-    <mc:Choice xmlns:p14="http://schemas.microsoft.com/office/powerpoint/2010/main" Requires="p14">
-      <p:transition p14:dur="500"/>
+  <mc:AlternateContent xmlns:mc="http://schemas.openxmlformats.org/markup-compatibility/2006" xmlns:p14="http://schemas.microsoft.com/office/powerpoint/2010/main">
+    <mc:Choice Requires="p14">
+      <p:transition/>
     </mc:Choice>
-    <mc:Fallback>
+    <mc:Fallback xmlns="">
       <p:transition/>
     </mc:Fallback>
   </mc:AlternateContent>
@@ -3783,7 +3756,6 @@
               <a:rPr lang="zh-CN" altLang="en-US"/>
               <a:t>单击此处编辑母版标题样式</a:t>
             </a:r>
-            <a:endParaRPr lang="zh-CN" altLang="en-US"/>
           </a:p>
         </p:txBody>
       </p:sp>
@@ -3812,7 +3784,6 @@
               <a:rPr lang="zh-CN" altLang="en-US"/>
               <a:t>单击此处编辑母版文本样式</a:t>
             </a:r>
-            <a:endParaRPr lang="zh-CN" altLang="en-US"/>
           </a:p>
           <a:p>
             <a:pPr lvl="1"/>
@@ -3820,7 +3791,6 @@
               <a:rPr lang="zh-CN" altLang="en-US"/>
               <a:t>二级</a:t>
             </a:r>
-            <a:endParaRPr lang="zh-CN" altLang="en-US"/>
           </a:p>
           <a:p>
             <a:pPr lvl="2"/>
@@ -3828,7 +3798,6 @@
               <a:rPr lang="zh-CN" altLang="en-US"/>
               <a:t>三级</a:t>
             </a:r>
-            <a:endParaRPr lang="zh-CN" altLang="en-US"/>
           </a:p>
           <a:p>
             <a:pPr lvl="3"/>
@@ -3836,7 +3805,6 @@
               <a:rPr lang="zh-CN" altLang="en-US"/>
               <a:t>四级</a:t>
             </a:r>
-            <a:endParaRPr lang="zh-CN" altLang="en-US"/>
           </a:p>
           <a:p>
             <a:pPr lvl="4"/>
@@ -3844,7 +3812,6 @@
               <a:rPr lang="zh-CN" altLang="en-US"/>
               <a:t>五级</a:t>
             </a:r>
-            <a:endParaRPr lang="zh-CN" altLang="en-US"/>
           </a:p>
         </p:txBody>
       </p:sp>
@@ -3865,6 +3832,7 @@
           <a:p>
             <a:fld id="{C4967958-85CE-43D6-BC89-99314CAB28BD}" type="datetimeFigureOut">
               <a:rPr lang="zh-CN" altLang="en-US" smtClean="0"/>
+              <a:t>2024/8/28</a:t>
             </a:fld>
             <a:endParaRPr lang="zh-CN" altLang="en-US"/>
           </a:p>
@@ -3906,6 +3874,7 @@
           <a:p>
             <a:fld id="{C21FEDAD-CB7D-4C28-A5CB-0CFE02C38076}" type="slidenum">
               <a:rPr lang="zh-CN" altLang="en-US" smtClean="0"/>
+              <a:t>‹#›</a:t>
             </a:fld>
             <a:endParaRPr lang="zh-CN" altLang="en-US"/>
           </a:p>
@@ -3916,11 +3885,11 @@
   <p:clrMapOvr>
     <a:masterClrMapping/>
   </p:clrMapOvr>
-  <mc:AlternateContent xmlns:mc="http://schemas.openxmlformats.org/markup-compatibility/2006">
-    <mc:Choice xmlns:p14="http://schemas.microsoft.com/office/powerpoint/2010/main" Requires="p14">
-      <p:transition p14:dur="500"/>
+  <mc:AlternateContent xmlns:mc="http://schemas.openxmlformats.org/markup-compatibility/2006" xmlns:p14="http://schemas.microsoft.com/office/powerpoint/2010/main">
+    <mc:Choice Requires="p14">
+      <p:transition/>
     </mc:Choice>
-    <mc:Fallback>
+    <mc:Fallback xmlns="">
       <p:transition/>
     </mc:Fallback>
   </mc:AlternateContent>
@@ -3972,7 +3941,6 @@
               <a:rPr lang="zh-CN" altLang="en-US"/>
               <a:t>单击此处编辑母版标题样式</a:t>
             </a:r>
-            <a:endParaRPr lang="zh-CN" altLang="en-US"/>
           </a:p>
         </p:txBody>
       </p:sp>
@@ -4092,7 +4060,6 @@
               <a:rPr lang="zh-CN" altLang="en-US"/>
               <a:t>单击此处编辑母版文本样式</a:t>
             </a:r>
-            <a:endParaRPr lang="zh-CN" altLang="en-US"/>
           </a:p>
         </p:txBody>
       </p:sp>
@@ -4113,6 +4080,7 @@
           <a:p>
             <a:fld id="{3F8BD901-69E9-4A98-9642-CD532B4D46CE}" type="datetimeFigureOut">
               <a:rPr lang="zh-CN" altLang="en-US" smtClean="0"/>
+              <a:t>2024/8/28</a:t>
             </a:fld>
             <a:endParaRPr lang="zh-CN" altLang="en-US"/>
           </a:p>
@@ -4154,6 +4122,7 @@
           <a:p>
             <a:fld id="{ABACDEC2-1BC6-4ED3-B53C-76D391717058}" type="slidenum">
               <a:rPr lang="zh-CN" altLang="en-US" smtClean="0"/>
+              <a:t>‹#›</a:t>
             </a:fld>
             <a:endParaRPr lang="zh-CN" altLang="en-US"/>
           </a:p>
@@ -4164,11 +4133,11 @@
   <p:clrMapOvr>
     <a:masterClrMapping/>
   </p:clrMapOvr>
-  <mc:AlternateContent xmlns:mc="http://schemas.openxmlformats.org/markup-compatibility/2006">
-    <mc:Choice xmlns:p14="http://schemas.microsoft.com/office/powerpoint/2010/main" Requires="p14">
-      <p:transition p14:dur="500"/>
+  <mc:AlternateContent xmlns:mc="http://schemas.openxmlformats.org/markup-compatibility/2006" xmlns:p14="http://schemas.microsoft.com/office/powerpoint/2010/main">
+    <mc:Choice Requires="p14">
+      <p:transition/>
     </mc:Choice>
-    <mc:Fallback>
+    <mc:Fallback xmlns="">
       <p:transition/>
     </mc:Fallback>
   </mc:AlternateContent>
@@ -4211,7 +4180,6 @@
               <a:rPr lang="zh-CN" altLang="en-US"/>
               <a:t>单击此处编辑母版标题样式</a:t>
             </a:r>
-            <a:endParaRPr lang="zh-CN" altLang="en-US"/>
           </a:p>
         </p:txBody>
       </p:sp>
@@ -4240,7 +4208,6 @@
               <a:rPr lang="zh-CN" altLang="en-US"/>
               <a:t>单击此处编辑母版文本样式</a:t>
             </a:r>
-            <a:endParaRPr lang="zh-CN" altLang="en-US"/>
           </a:p>
           <a:p>
             <a:pPr lvl="1"/>
@@ -4248,7 +4215,6 @@
               <a:rPr lang="zh-CN" altLang="en-US"/>
               <a:t>二级</a:t>
             </a:r>
-            <a:endParaRPr lang="zh-CN" altLang="en-US"/>
           </a:p>
           <a:p>
             <a:pPr lvl="2"/>
@@ -4256,7 +4222,6 @@
               <a:rPr lang="zh-CN" altLang="en-US"/>
               <a:t>三级</a:t>
             </a:r>
-            <a:endParaRPr lang="zh-CN" altLang="en-US"/>
           </a:p>
           <a:p>
             <a:pPr lvl="3"/>
@@ -4264,7 +4229,6 @@
               <a:rPr lang="zh-CN" altLang="en-US"/>
               <a:t>四级</a:t>
             </a:r>
-            <a:endParaRPr lang="zh-CN" altLang="en-US"/>
           </a:p>
           <a:p>
             <a:pPr lvl="4"/>
@@ -4272,7 +4236,6 @@
               <a:rPr lang="zh-CN" altLang="en-US"/>
               <a:t>五级</a:t>
             </a:r>
-            <a:endParaRPr lang="zh-CN" altLang="en-US"/>
           </a:p>
         </p:txBody>
       </p:sp>
@@ -4301,7 +4264,6 @@
               <a:rPr lang="zh-CN" altLang="en-US"/>
               <a:t>单击此处编辑母版文本样式</a:t>
             </a:r>
-            <a:endParaRPr lang="zh-CN" altLang="en-US"/>
           </a:p>
           <a:p>
             <a:pPr lvl="1"/>
@@ -4309,7 +4271,6 @@
               <a:rPr lang="zh-CN" altLang="en-US"/>
               <a:t>二级</a:t>
             </a:r>
-            <a:endParaRPr lang="zh-CN" altLang="en-US"/>
           </a:p>
           <a:p>
             <a:pPr lvl="2"/>
@@ -4317,7 +4278,6 @@
               <a:rPr lang="zh-CN" altLang="en-US"/>
               <a:t>三级</a:t>
             </a:r>
-            <a:endParaRPr lang="zh-CN" altLang="en-US"/>
           </a:p>
           <a:p>
             <a:pPr lvl="3"/>
@@ -4325,7 +4285,6 @@
               <a:rPr lang="zh-CN" altLang="en-US"/>
               <a:t>四级</a:t>
             </a:r>
-            <a:endParaRPr lang="zh-CN" altLang="en-US"/>
           </a:p>
           <a:p>
             <a:pPr lvl="4"/>
@@ -4333,7 +4292,6 @@
               <a:rPr lang="zh-CN" altLang="en-US"/>
               <a:t>五级</a:t>
             </a:r>
-            <a:endParaRPr lang="zh-CN" altLang="en-US"/>
           </a:p>
         </p:txBody>
       </p:sp>
@@ -4354,6 +4312,7 @@
           <a:p>
             <a:fld id="{3F8BD901-69E9-4A98-9642-CD532B4D46CE}" type="datetimeFigureOut">
               <a:rPr lang="zh-CN" altLang="en-US" smtClean="0"/>
+              <a:t>2024/8/28</a:t>
             </a:fld>
             <a:endParaRPr lang="zh-CN" altLang="en-US"/>
           </a:p>
@@ -4395,6 +4354,7 @@
           <a:p>
             <a:fld id="{ABACDEC2-1BC6-4ED3-B53C-76D391717058}" type="slidenum">
               <a:rPr lang="zh-CN" altLang="en-US" smtClean="0"/>
+              <a:t>‹#›</a:t>
             </a:fld>
             <a:endParaRPr lang="zh-CN" altLang="en-US"/>
           </a:p>
@@ -4405,11 +4365,11 @@
   <p:clrMapOvr>
     <a:masterClrMapping/>
   </p:clrMapOvr>
-  <mc:AlternateContent xmlns:mc="http://schemas.openxmlformats.org/markup-compatibility/2006">
-    <mc:Choice xmlns:p14="http://schemas.microsoft.com/office/powerpoint/2010/main" Requires="p14">
-      <p:transition p14:dur="500"/>
+  <mc:AlternateContent xmlns:mc="http://schemas.openxmlformats.org/markup-compatibility/2006" xmlns:p14="http://schemas.microsoft.com/office/powerpoint/2010/main">
+    <mc:Choice Requires="p14">
+      <p:transition/>
     </mc:Choice>
-    <mc:Fallback>
+    <mc:Fallback xmlns="">
       <p:transition/>
     </mc:Fallback>
   </mc:AlternateContent>
@@ -4457,7 +4417,6 @@
               <a:rPr lang="zh-CN" altLang="en-US"/>
               <a:t>单击此处编辑母版标题样式</a:t>
             </a:r>
-            <a:endParaRPr lang="zh-CN" altLang="en-US"/>
           </a:p>
         </p:txBody>
       </p:sp>
@@ -4523,7 +4482,6 @@
               <a:rPr lang="zh-CN" altLang="en-US"/>
               <a:t>单击此处编辑母版文本样式</a:t>
             </a:r>
-            <a:endParaRPr lang="zh-CN" altLang="en-US"/>
           </a:p>
         </p:txBody>
       </p:sp>
@@ -4552,7 +4510,6 @@
               <a:rPr lang="zh-CN" altLang="en-US"/>
               <a:t>单击此处编辑母版文本样式</a:t>
             </a:r>
-            <a:endParaRPr lang="zh-CN" altLang="en-US"/>
           </a:p>
           <a:p>
             <a:pPr lvl="1"/>
@@ -4560,7 +4517,6 @@
               <a:rPr lang="zh-CN" altLang="en-US"/>
               <a:t>二级</a:t>
             </a:r>
-            <a:endParaRPr lang="zh-CN" altLang="en-US"/>
           </a:p>
           <a:p>
             <a:pPr lvl="2"/>
@@ -4568,7 +4524,6 @@
               <a:rPr lang="zh-CN" altLang="en-US"/>
               <a:t>三级</a:t>
             </a:r>
-            <a:endParaRPr lang="zh-CN" altLang="en-US"/>
           </a:p>
           <a:p>
             <a:pPr lvl="3"/>
@@ -4576,7 +4531,6 @@
               <a:rPr lang="zh-CN" altLang="en-US"/>
               <a:t>四级</a:t>
             </a:r>
-            <a:endParaRPr lang="zh-CN" altLang="en-US"/>
           </a:p>
           <a:p>
             <a:pPr lvl="4"/>
@@ -4584,7 +4538,6 @@
               <a:rPr lang="zh-CN" altLang="en-US"/>
               <a:t>五级</a:t>
             </a:r>
-            <a:endParaRPr lang="zh-CN" altLang="en-US"/>
           </a:p>
         </p:txBody>
       </p:sp>
@@ -4650,7 +4603,6 @@
               <a:rPr lang="zh-CN" altLang="en-US"/>
               <a:t>单击此处编辑母版文本样式</a:t>
             </a:r>
-            <a:endParaRPr lang="zh-CN" altLang="en-US"/>
           </a:p>
         </p:txBody>
       </p:sp>
@@ -4679,7 +4631,6 @@
               <a:rPr lang="zh-CN" altLang="en-US"/>
               <a:t>单击此处编辑母版文本样式</a:t>
             </a:r>
-            <a:endParaRPr lang="zh-CN" altLang="en-US"/>
           </a:p>
           <a:p>
             <a:pPr lvl="1"/>
@@ -4687,7 +4638,6 @@
               <a:rPr lang="zh-CN" altLang="en-US"/>
               <a:t>二级</a:t>
             </a:r>
-            <a:endParaRPr lang="zh-CN" altLang="en-US"/>
           </a:p>
           <a:p>
             <a:pPr lvl="2"/>
@@ -4695,7 +4645,6 @@
               <a:rPr lang="zh-CN" altLang="en-US"/>
               <a:t>三级</a:t>
             </a:r>
-            <a:endParaRPr lang="zh-CN" altLang="en-US"/>
           </a:p>
           <a:p>
             <a:pPr lvl="3"/>
@@ -4703,7 +4652,6 @@
               <a:rPr lang="zh-CN" altLang="en-US"/>
               <a:t>四级</a:t>
             </a:r>
-            <a:endParaRPr lang="zh-CN" altLang="en-US"/>
           </a:p>
           <a:p>
             <a:pPr lvl="4"/>
@@ -4711,7 +4659,6 @@
               <a:rPr lang="zh-CN" altLang="en-US"/>
               <a:t>五级</a:t>
             </a:r>
-            <a:endParaRPr lang="zh-CN" altLang="en-US"/>
           </a:p>
         </p:txBody>
       </p:sp>
@@ -4732,6 +4679,7 @@
           <a:p>
             <a:fld id="{3F8BD901-69E9-4A98-9642-CD532B4D46CE}" type="datetimeFigureOut">
               <a:rPr lang="zh-CN" altLang="en-US" smtClean="0"/>
+              <a:t>2024/8/28</a:t>
             </a:fld>
             <a:endParaRPr lang="zh-CN" altLang="en-US"/>
           </a:p>
@@ -4773,6 +4721,7 @@
           <a:p>
             <a:fld id="{ABACDEC2-1BC6-4ED3-B53C-76D391717058}" type="slidenum">
               <a:rPr lang="zh-CN" altLang="en-US" smtClean="0"/>
+              <a:t>‹#›</a:t>
             </a:fld>
             <a:endParaRPr lang="zh-CN" altLang="en-US"/>
           </a:p>
@@ -4783,11 +4732,11 @@
   <p:clrMapOvr>
     <a:masterClrMapping/>
   </p:clrMapOvr>
-  <mc:AlternateContent xmlns:mc="http://schemas.openxmlformats.org/markup-compatibility/2006">
-    <mc:Choice xmlns:p14="http://schemas.microsoft.com/office/powerpoint/2010/main" Requires="p14">
-      <p:transition p14:dur="500"/>
+  <mc:AlternateContent xmlns:mc="http://schemas.openxmlformats.org/markup-compatibility/2006" xmlns:p14="http://schemas.microsoft.com/office/powerpoint/2010/main">
+    <mc:Choice Requires="p14">
+      <p:transition/>
     </mc:Choice>
-    <mc:Fallback>
+    <mc:Fallback xmlns="">
       <p:transition/>
     </mc:Fallback>
   </mc:AlternateContent>
@@ -4830,7 +4779,6 @@
               <a:rPr lang="zh-CN" altLang="en-US"/>
               <a:t>单击此处编辑母版标题样式</a:t>
             </a:r>
-            <a:endParaRPr lang="zh-CN" altLang="en-US"/>
           </a:p>
         </p:txBody>
       </p:sp>
@@ -4851,6 +4799,7 @@
           <a:p>
             <a:fld id="{3F8BD901-69E9-4A98-9642-CD532B4D46CE}" type="datetimeFigureOut">
               <a:rPr lang="zh-CN" altLang="en-US" smtClean="0"/>
+              <a:t>2024/8/28</a:t>
             </a:fld>
             <a:endParaRPr lang="zh-CN" altLang="en-US"/>
           </a:p>
@@ -4892,6 +4841,7 @@
           <a:p>
             <a:fld id="{ABACDEC2-1BC6-4ED3-B53C-76D391717058}" type="slidenum">
               <a:rPr lang="zh-CN" altLang="en-US" smtClean="0"/>
+              <a:t>‹#›</a:t>
             </a:fld>
             <a:endParaRPr lang="zh-CN" altLang="en-US"/>
           </a:p>
@@ -4902,11 +4852,11 @@
   <p:clrMapOvr>
     <a:masterClrMapping/>
   </p:clrMapOvr>
-  <mc:AlternateContent xmlns:mc="http://schemas.openxmlformats.org/markup-compatibility/2006">
-    <mc:Choice xmlns:p14="http://schemas.microsoft.com/office/powerpoint/2010/main" Requires="p14">
-      <p:transition p14:dur="500"/>
+  <mc:AlternateContent xmlns:mc="http://schemas.openxmlformats.org/markup-compatibility/2006" xmlns:p14="http://schemas.microsoft.com/office/powerpoint/2010/main">
+    <mc:Choice Requires="p14">
+      <p:transition/>
     </mc:Choice>
-    <mc:Fallback>
+    <mc:Fallback xmlns="">
       <p:transition/>
     </mc:Fallback>
   </mc:AlternateContent>
@@ -4947,6 +4897,7 @@
           <a:p>
             <a:fld id="{3F8BD901-69E9-4A98-9642-CD532B4D46CE}" type="datetimeFigureOut">
               <a:rPr lang="zh-CN" altLang="en-US" smtClean="0"/>
+              <a:t>2024/8/28</a:t>
             </a:fld>
             <a:endParaRPr lang="zh-CN" altLang="en-US"/>
           </a:p>
@@ -4988,6 +4939,7 @@
           <a:p>
             <a:fld id="{ABACDEC2-1BC6-4ED3-B53C-76D391717058}" type="slidenum">
               <a:rPr lang="zh-CN" altLang="en-US" smtClean="0"/>
+              <a:t>‹#›</a:t>
             </a:fld>
             <a:endParaRPr lang="zh-CN" altLang="en-US"/>
           </a:p>
@@ -4998,11 +4950,11 @@
   <p:clrMapOvr>
     <a:masterClrMapping/>
   </p:clrMapOvr>
-  <mc:AlternateContent xmlns:mc="http://schemas.openxmlformats.org/markup-compatibility/2006">
-    <mc:Choice xmlns:p14="http://schemas.microsoft.com/office/powerpoint/2010/main" Requires="p14">
-      <p:transition p14:dur="500"/>
+  <mc:AlternateContent xmlns:mc="http://schemas.openxmlformats.org/markup-compatibility/2006" xmlns:p14="http://schemas.microsoft.com/office/powerpoint/2010/main">
+    <mc:Choice Requires="p14">
+      <p:transition/>
     </mc:Choice>
-    <mc:Fallback>
+    <mc:Fallback xmlns="">
       <p:transition/>
     </mc:Fallback>
   </mc:AlternateContent>
@@ -5054,7 +5006,6 @@
               <a:rPr lang="zh-CN" altLang="en-US"/>
               <a:t>单击此处编辑母版标题样式</a:t>
             </a:r>
-            <a:endParaRPr lang="zh-CN" altLang="en-US"/>
           </a:p>
         </p:txBody>
       </p:sp>
@@ -5111,7 +5062,6 @@
               <a:rPr lang="zh-CN" altLang="en-US"/>
               <a:t>单击此处编辑母版文本样式</a:t>
             </a:r>
-            <a:endParaRPr lang="zh-CN" altLang="en-US"/>
           </a:p>
           <a:p>
             <a:pPr lvl="1"/>
@@ -5119,7 +5069,6 @@
               <a:rPr lang="zh-CN" altLang="en-US"/>
               <a:t>二级</a:t>
             </a:r>
-            <a:endParaRPr lang="zh-CN" altLang="en-US"/>
           </a:p>
           <a:p>
             <a:pPr lvl="2"/>
@@ -5127,7 +5076,6 @@
               <a:rPr lang="zh-CN" altLang="en-US"/>
               <a:t>三级</a:t>
             </a:r>
-            <a:endParaRPr lang="zh-CN" altLang="en-US"/>
           </a:p>
           <a:p>
             <a:pPr lvl="3"/>
@@ -5135,7 +5083,6 @@
               <a:rPr lang="zh-CN" altLang="en-US"/>
               <a:t>四级</a:t>
             </a:r>
-            <a:endParaRPr lang="zh-CN" altLang="en-US"/>
           </a:p>
           <a:p>
             <a:pPr lvl="4"/>
@@ -5143,7 +5090,6 @@
               <a:rPr lang="zh-CN" altLang="en-US"/>
               <a:t>五级</a:t>
             </a:r>
-            <a:endParaRPr lang="zh-CN" altLang="en-US"/>
           </a:p>
         </p:txBody>
       </p:sp>
@@ -5209,7 +5155,6 @@
               <a:rPr lang="zh-CN" altLang="en-US"/>
               <a:t>单击此处编辑母版文本样式</a:t>
             </a:r>
-            <a:endParaRPr lang="zh-CN" altLang="en-US"/>
           </a:p>
         </p:txBody>
       </p:sp>
@@ -5230,6 +5175,7 @@
           <a:p>
             <a:fld id="{3F8BD901-69E9-4A98-9642-CD532B4D46CE}" type="datetimeFigureOut">
               <a:rPr lang="zh-CN" altLang="en-US" smtClean="0"/>
+              <a:t>2024/8/28</a:t>
             </a:fld>
             <a:endParaRPr lang="zh-CN" altLang="en-US"/>
           </a:p>
@@ -5271,6 +5217,7 @@
           <a:p>
             <a:fld id="{ABACDEC2-1BC6-4ED3-B53C-76D391717058}" type="slidenum">
               <a:rPr lang="zh-CN" altLang="en-US" smtClean="0"/>
+              <a:t>‹#›</a:t>
             </a:fld>
             <a:endParaRPr lang="zh-CN" altLang="en-US"/>
           </a:p>
@@ -5281,11 +5228,11 @@
   <p:clrMapOvr>
     <a:masterClrMapping/>
   </p:clrMapOvr>
-  <mc:AlternateContent xmlns:mc="http://schemas.openxmlformats.org/markup-compatibility/2006">
-    <mc:Choice xmlns:p14="http://schemas.microsoft.com/office/powerpoint/2010/main" Requires="p14">
-      <p:transition p14:dur="500"/>
+  <mc:AlternateContent xmlns:mc="http://schemas.openxmlformats.org/markup-compatibility/2006" xmlns:p14="http://schemas.microsoft.com/office/powerpoint/2010/main">
+    <mc:Choice Requires="p14">
+      <p:transition/>
     </mc:Choice>
-    <mc:Fallback>
+    <mc:Fallback xmlns="">
       <p:transition/>
     </mc:Fallback>
   </mc:AlternateContent>
@@ -5337,7 +5284,6 @@
               <a:rPr lang="zh-CN" altLang="en-US"/>
               <a:t>单击此处编辑母版标题样式</a:t>
             </a:r>
-            <a:endParaRPr lang="zh-CN" altLang="en-US"/>
           </a:p>
         </p:txBody>
       </p:sp>
@@ -5464,7 +5410,6 @@
               <a:rPr lang="zh-CN" altLang="en-US"/>
               <a:t>单击此处编辑母版文本样式</a:t>
             </a:r>
-            <a:endParaRPr lang="zh-CN" altLang="en-US"/>
           </a:p>
         </p:txBody>
       </p:sp>
@@ -5485,6 +5430,7 @@
           <a:p>
             <a:fld id="{3F8BD901-69E9-4A98-9642-CD532B4D46CE}" type="datetimeFigureOut">
               <a:rPr lang="zh-CN" altLang="en-US" smtClean="0"/>
+              <a:t>2024/8/28</a:t>
             </a:fld>
             <a:endParaRPr lang="zh-CN" altLang="en-US"/>
           </a:p>
@@ -5526,6 +5472,7 @@
           <a:p>
             <a:fld id="{ABACDEC2-1BC6-4ED3-B53C-76D391717058}" type="slidenum">
               <a:rPr lang="zh-CN" altLang="en-US" smtClean="0"/>
+              <a:t>‹#›</a:t>
             </a:fld>
             <a:endParaRPr lang="zh-CN" altLang="en-US"/>
           </a:p>
@@ -5536,11 +5483,11 @@
   <p:clrMapOvr>
     <a:masterClrMapping/>
   </p:clrMapOvr>
-  <mc:AlternateContent xmlns:mc="http://schemas.openxmlformats.org/markup-compatibility/2006">
-    <mc:Choice xmlns:p14="http://schemas.microsoft.com/office/powerpoint/2010/main" Requires="p14">
-      <p:transition p14:dur="500"/>
+  <mc:AlternateContent xmlns:mc="http://schemas.openxmlformats.org/markup-compatibility/2006" xmlns:p14="http://schemas.microsoft.com/office/powerpoint/2010/main">
+    <mc:Choice Requires="p14">
+      <p:transition/>
     </mc:Choice>
-    <mc:Fallback>
+    <mc:Fallback xmlns="">
       <p:transition/>
     </mc:Fallback>
   </mc:AlternateContent>
@@ -5598,7 +5545,6 @@
               <a:rPr lang="zh-CN" altLang="en-US" dirty="0"/>
               <a:t>单击此处编辑母版标题样式</a:t>
             </a:r>
-            <a:endParaRPr lang="zh-CN" altLang="en-US" dirty="0"/>
           </a:p>
         </p:txBody>
       </p:sp>
@@ -5632,7 +5578,6 @@
               <a:rPr lang="zh-CN" altLang="en-US" dirty="0"/>
               <a:t>单击此处编辑母版文本样式</a:t>
             </a:r>
-            <a:endParaRPr lang="zh-CN" altLang="en-US" dirty="0"/>
           </a:p>
           <a:p>
             <a:pPr lvl="1"/>
@@ -5640,7 +5585,6 @@
               <a:rPr lang="zh-CN" altLang="en-US" dirty="0"/>
               <a:t>二级</a:t>
             </a:r>
-            <a:endParaRPr lang="zh-CN" altLang="en-US" dirty="0"/>
           </a:p>
           <a:p>
             <a:pPr lvl="2"/>
@@ -5648,7 +5592,6 @@
               <a:rPr lang="zh-CN" altLang="en-US" dirty="0"/>
               <a:t>三级</a:t>
             </a:r>
-            <a:endParaRPr lang="zh-CN" altLang="en-US" dirty="0"/>
           </a:p>
           <a:p>
             <a:pPr lvl="3"/>
@@ -5656,7 +5599,6 @@
               <a:rPr lang="zh-CN" altLang="en-US" dirty="0"/>
               <a:t>四级</a:t>
             </a:r>
-            <a:endParaRPr lang="zh-CN" altLang="en-US" dirty="0"/>
           </a:p>
           <a:p>
             <a:pPr lvl="4"/>
@@ -5664,7 +5606,6 @@
               <a:rPr lang="zh-CN" altLang="en-US" dirty="0"/>
               <a:t>五级</a:t>
             </a:r>
-            <a:endParaRPr lang="zh-CN" altLang="en-US" dirty="0"/>
           </a:p>
         </p:txBody>
       </p:sp>
@@ -5705,6 +5646,7 @@
           <a:p>
             <a:fld id="{3F8BD901-69E9-4A98-9642-CD532B4D46CE}" type="datetimeFigureOut">
               <a:rPr lang="zh-CN" altLang="en-US" smtClean="0"/>
+              <a:t>2024/8/28</a:t>
             </a:fld>
             <a:endParaRPr lang="zh-CN" altLang="en-US" dirty="0"/>
           </a:p>
@@ -5786,6 +5728,7 @@
           <a:p>
             <a:fld id="{ABACDEC2-1BC6-4ED3-B53C-76D391717058}" type="slidenum">
               <a:rPr lang="zh-CN" altLang="en-US" smtClean="0"/>
+              <a:t>‹#›</a:t>
             </a:fld>
             <a:endParaRPr lang="zh-CN" altLang="en-US" dirty="0"/>
           </a:p>
@@ -5810,11 +5753,11 @@
     <p:sldLayoutId id="2147483661" r:id="rId13"/>
     <p:sldLayoutId id="2147483662" r:id="rId14"/>
   </p:sldLayoutIdLst>
-  <mc:AlternateContent xmlns:mc="http://schemas.openxmlformats.org/markup-compatibility/2006">
-    <mc:Choice xmlns:p14="http://schemas.microsoft.com/office/powerpoint/2010/main" Requires="p14">
-      <p:transition p14:dur="500"/>
+  <mc:AlternateContent xmlns:mc="http://schemas.openxmlformats.org/markup-compatibility/2006" xmlns:p14="http://schemas.microsoft.com/office/powerpoint/2010/main">
+    <mc:Choice Requires="p14">
+      <p:transition/>
     </mc:Choice>
-    <mc:Fallback>
+    <mc:Fallback xmlns="">
       <p:transition/>
     </mc:Fallback>
   </mc:AlternateContent>
@@ -6152,7 +6095,6 @@
               <a:rPr lang="zh-CN" altLang="en-US"/>
               <a:t>单击此处编辑母版标题样式</a:t>
             </a:r>
-            <a:endParaRPr lang="zh-CN" altLang="en-US"/>
           </a:p>
         </p:txBody>
       </p:sp>
@@ -6186,7 +6128,6 @@
               <a:rPr lang="zh-CN" altLang="en-US"/>
               <a:t>单击此处编辑母版文本样式</a:t>
             </a:r>
-            <a:endParaRPr lang="zh-CN" altLang="en-US"/>
           </a:p>
           <a:p>
             <a:pPr lvl="1"/>
@@ -6194,7 +6135,6 @@
               <a:rPr lang="zh-CN" altLang="en-US"/>
               <a:t>二级</a:t>
             </a:r>
-            <a:endParaRPr lang="zh-CN" altLang="en-US"/>
           </a:p>
           <a:p>
             <a:pPr lvl="2"/>
@@ -6202,7 +6142,6 @@
               <a:rPr lang="zh-CN" altLang="en-US"/>
               <a:t>三级</a:t>
             </a:r>
-            <a:endParaRPr lang="zh-CN" altLang="en-US"/>
           </a:p>
           <a:p>
             <a:pPr lvl="3"/>
@@ -6210,7 +6149,6 @@
               <a:rPr lang="zh-CN" altLang="en-US"/>
               <a:t>四级</a:t>
             </a:r>
-            <a:endParaRPr lang="zh-CN" altLang="en-US"/>
           </a:p>
           <a:p>
             <a:pPr lvl="4"/>
@@ -6218,7 +6156,6 @@
               <a:rPr lang="zh-CN" altLang="en-US"/>
               <a:t>五级</a:t>
             </a:r>
-            <a:endParaRPr lang="zh-CN" altLang="en-US"/>
           </a:p>
         </p:txBody>
       </p:sp>
@@ -6259,6 +6196,7 @@
           <a:p>
             <a:fld id="{C4967958-85CE-43D6-BC89-99314CAB28BD}" type="datetimeFigureOut">
               <a:rPr lang="zh-CN" altLang="en-US" smtClean="0"/>
+              <a:t>2024/8/28</a:t>
             </a:fld>
             <a:endParaRPr lang="zh-CN" altLang="en-US"/>
           </a:p>
@@ -6340,6 +6278,7 @@
           <a:p>
             <a:fld id="{C21FEDAD-CB7D-4C28-A5CB-0CFE02C38076}" type="slidenum">
               <a:rPr lang="zh-CN" altLang="en-US" smtClean="0"/>
+              <a:t>‹#›</a:t>
             </a:fld>
             <a:endParaRPr lang="zh-CN" altLang="en-US"/>
           </a:p>
@@ -6361,11 +6300,11 @@
     <p:sldLayoutId id="2147483673" r:id="rId10"/>
     <p:sldLayoutId id="2147483674" r:id="rId11"/>
   </p:sldLayoutIdLst>
-  <mc:AlternateContent xmlns:mc="http://schemas.openxmlformats.org/markup-compatibility/2006">
-    <mc:Choice xmlns:p14="http://schemas.microsoft.com/office/powerpoint/2010/main" Requires="p14">
-      <p:transition p14:dur="500"/>
+  <mc:AlternateContent xmlns:mc="http://schemas.openxmlformats.org/markup-compatibility/2006" xmlns:p14="http://schemas.microsoft.com/office/powerpoint/2010/main">
+    <mc:Choice Requires="p14">
+      <p:transition/>
     </mc:Choice>
-    <mc:Fallback>
+    <mc:Fallback xmlns="">
       <p:transition/>
     </mc:Fallback>
   </mc:AlternateContent>
@@ -6692,7 +6631,7 @@
             <p:nvPr/>
           </p:nvPicPr>
           <p:blipFill rotWithShape="1">
-            <a:blip r:embed="rId1" cstate="print">
+            <a:blip r:embed="rId2" cstate="print">
               <a:extLst>
                 <a:ext uri="{28A0092B-C50C-407E-A947-70E740481C1C}">
                   <a14:useLocalDpi xmlns:a14="http://schemas.microsoft.com/office/drawing/2010/main" val="0"/>
@@ -8559,21 +8498,6 @@
               </a:rPr>
               <a:t>dp</a:t>
             </a:r>
-            <a:endParaRPr kumimoji="0" lang="en-US" altLang="zh-CN" sz="5400" b="1" i="0" u="none" strike="noStrike" kern="1200" cap="none" spc="0" normalizeH="0" baseline="0" noProof="0" dirty="0">
-              <a:ln>
-                <a:noFill/>
-              </a:ln>
-              <a:solidFill>
-                <a:srgbClr val="00335D"/>
-              </a:solidFill>
-              <a:effectLst/>
-              <a:uLnTx/>
-              <a:uFillTx/>
-              <a:latin typeface="微软雅黑" panose="020B0503020204020204" charset="-122"/>
-              <a:ea typeface="微软雅黑" panose="020B0503020204020204" charset="-122"/>
-              <a:cs typeface="+mn-ea"/>
-              <a:sym typeface="+mn-lt"/>
-            </a:endParaRPr>
           </a:p>
         </p:txBody>
       </p:sp>
@@ -8904,19 +8828,6 @@
                 </a:rPr>
                 <a:t>fangcy</a:t>
               </a:r>
-              <a:endParaRPr kumimoji="0" lang="en-US" altLang="zh-CN" sz="1600" b="0" i="0" u="none" strike="noStrike" kern="0" cap="none" spc="0" normalizeH="0" baseline="0" noProof="0" dirty="0">
-                <a:ln>
-                  <a:noFill/>
-                </a:ln>
-                <a:solidFill>
-                  <a:prstClr val="white"/>
-                </a:solidFill>
-                <a:effectLst/>
-                <a:uLnTx/>
-                <a:uFillTx/>
-                <a:cs typeface="+mn-ea"/>
-                <a:sym typeface="+mn-lt"/>
-              </a:endParaRPr>
             </a:p>
           </p:txBody>
         </p:sp>
@@ -9084,19 +8995,6 @@
                 </a:rPr>
                 <a:t>2024.08.07</a:t>
               </a:r>
-              <a:endParaRPr kumimoji="0" lang="en-US" altLang="zh-CN" sz="1600" b="0" i="0" u="none" strike="noStrike" kern="0" cap="none" spc="0" normalizeH="0" baseline="0" noProof="0" dirty="0">
-                <a:ln>
-                  <a:noFill/>
-                </a:ln>
-                <a:solidFill>
-                  <a:prstClr val="white"/>
-                </a:solidFill>
-                <a:effectLst/>
-                <a:uLnTx/>
-                <a:uFillTx/>
-                <a:cs typeface="+mn-ea"/>
-                <a:sym typeface="+mn-lt"/>
-              </a:endParaRPr>
             </a:p>
           </p:txBody>
         </p:sp>
@@ -9106,11 +9004,11 @@
   <p:clrMapOvr>
     <a:masterClrMapping/>
   </p:clrMapOvr>
-  <mc:AlternateContent xmlns:mc="http://schemas.openxmlformats.org/markup-compatibility/2006">
-    <mc:Choice xmlns:p14="http://schemas.microsoft.com/office/powerpoint/2010/main" Requires="p14">
-      <p:transition p14:dur="500"/>
+  <mc:AlternateContent xmlns:mc="http://schemas.openxmlformats.org/markup-compatibility/2006" xmlns:p14="http://schemas.microsoft.com/office/powerpoint/2010/main">
+    <mc:Choice Requires="p14">
+      <p:transition/>
     </mc:Choice>
-    <mc:Fallback>
+    <mc:Fallback xmlns="">
       <p:transition/>
     </mc:Fallback>
   </mc:AlternateContent>
@@ -9342,13 +9240,6 @@
               </a:rPr>
               <a:t>请您单击此处添加合适文字加以说明，可根据自己的需要适当地调整文字大小或者颜色等属性。</a:t>
             </a:r>
-            <a:endParaRPr lang="zh-CN" altLang="en-US" sz="1600" kern="0" dirty="0">
-              <a:solidFill>
-                <a:schemeClr val="bg1"/>
-              </a:solidFill>
-              <a:latin typeface="思源黑体 CN Normal" panose="020B0400000000000000" charset="-122"/>
-              <a:ea typeface="思源黑体 CN Normal" panose="020B0400000000000000" charset="-122"/>
-            </a:endParaRPr>
           </a:p>
         </p:txBody>
       </p:sp>
@@ -9479,21 +9370,6 @@
                 </a:rPr>
                 <a:t>dp</a:t>
               </a:r>
-              <a:endParaRPr lang="en-US" altLang="zh-CN" sz="2000" kern="0" noProof="0" dirty="0">
-                <a:ln>
-                  <a:noFill/>
-                </a:ln>
-                <a:solidFill>
-                  <a:schemeClr val="tx1"/>
-                </a:solidFill>
-                <a:effectLst/>
-                <a:uLnTx/>
-                <a:uFillTx/>
-                <a:latin typeface="微软雅黑" panose="020B0503020204020204" charset="-122"/>
-                <a:ea typeface="微软雅黑" panose="020B0503020204020204" charset="-122"/>
-                <a:cs typeface="微软雅黑" panose="020B0503020204020204" charset="-122"/>
-                <a:sym typeface="+mn-ea"/>
-              </a:endParaRPr>
             </a:p>
             <a:p>
               <a:pPr indent="0">
@@ -9905,21 +9781,6 @@
                 </a:rPr>
                 <a:t>是因为由题意，一个节点的贡献和它子节点是否被魔法消除有关，所以要记下这个信息。</a:t>
               </a:r>
-              <a:endParaRPr lang="zh-CN" altLang="en-US" sz="2000" kern="0" noProof="0" dirty="0">
-                <a:ln>
-                  <a:noFill/>
-                </a:ln>
-                <a:solidFill>
-                  <a:schemeClr val="tx1"/>
-                </a:solidFill>
-                <a:effectLst/>
-                <a:uLnTx/>
-                <a:uFillTx/>
-                <a:latin typeface="微软雅黑" panose="020B0503020204020204" charset="-122"/>
-                <a:ea typeface="微软雅黑" panose="020B0503020204020204" charset="-122"/>
-                <a:cs typeface="微软雅黑" panose="020B0503020204020204" charset="-122"/>
-                <a:sym typeface="+mn-ea"/>
-              </a:endParaRPr>
             </a:p>
             <a:p>
               <a:pPr indent="0">
@@ -9971,21 +9832,6 @@
                 </a:rPr>
                 <a:t>与之前类似，我们可以写出以下程序：（见下一页）</a:t>
               </a:r>
-              <a:endParaRPr lang="zh-CN" altLang="en-US" sz="2000" kern="0" noProof="0" dirty="0">
-                <a:ln>
-                  <a:noFill/>
-                </a:ln>
-                <a:solidFill>
-                  <a:schemeClr val="tx1"/>
-                </a:solidFill>
-                <a:effectLst/>
-                <a:uLnTx/>
-                <a:uFillTx/>
-                <a:latin typeface="微软雅黑" panose="020B0503020204020204" charset="-122"/>
-                <a:ea typeface="微软雅黑" panose="020B0503020204020204" charset="-122"/>
-                <a:cs typeface="微软雅黑" panose="020B0503020204020204" charset="-122"/>
-                <a:sym typeface="+mn-ea"/>
-              </a:endParaRPr>
             </a:p>
             <a:p>
               <a:pPr indent="0">
@@ -10187,10 +10033,6 @@
                   </a:rPr>
                   <a:t>真题</a:t>
                 </a:r>
-                <a:endParaRPr lang="zh-CN" altLang="en-US" sz="3200" b="1" dirty="0">
-                  <a:cs typeface="+mn-ea"/>
-                  <a:sym typeface="+mn-lt"/>
-                </a:endParaRPr>
               </a:p>
             </p:txBody>
           </p:sp>
@@ -10513,11 +10355,11 @@
   <p:clrMapOvr>
     <a:masterClrMapping/>
   </p:clrMapOvr>
-  <mc:AlternateContent xmlns:mc="http://schemas.openxmlformats.org/markup-compatibility/2006">
-    <mc:Choice xmlns:p14="http://schemas.microsoft.com/office/powerpoint/2010/main" Requires="p14">
-      <p:transition p14:dur="500"/>
+  <mc:AlternateContent xmlns:mc="http://schemas.openxmlformats.org/markup-compatibility/2006" xmlns:p14="http://schemas.microsoft.com/office/powerpoint/2010/main">
+    <mc:Choice Requires="p14">
+      <p:transition/>
     </mc:Choice>
-    <mc:Fallback>
+    <mc:Fallback xmlns="">
       <p:transition/>
     </mc:Fallback>
   </mc:AlternateContent>
@@ -10756,13 +10598,6 @@
               </a:rPr>
               <a:t>请您单击此处添加合适文字加以说明，可根据自己的需要适当地调整文字大小或者颜色等属性。</a:t>
             </a:r>
-            <a:endParaRPr lang="zh-CN" altLang="en-US" sz="1600" kern="0" dirty="0">
-              <a:solidFill>
-                <a:schemeClr val="bg1"/>
-              </a:solidFill>
-              <a:latin typeface="思源黑体 CN Normal" panose="020B0400000000000000" charset="-122"/>
-              <a:ea typeface="思源黑体 CN Normal" panose="020B0400000000000000" charset="-122"/>
-            </a:endParaRPr>
           </a:p>
         </p:txBody>
       </p:sp>
@@ -11049,10 +10884,6 @@
                   </a:rPr>
                   <a:t>真题</a:t>
                 </a:r>
-                <a:endParaRPr lang="zh-CN" altLang="en-US" sz="3200" b="1" dirty="0">
-                  <a:cs typeface="+mn-ea"/>
-                  <a:sym typeface="+mn-lt"/>
-                </a:endParaRPr>
               </a:p>
             </p:txBody>
           </p:sp>
@@ -11379,7 +11210,7 @@
           <p:nvPr/>
         </p:nvPicPr>
         <p:blipFill>
-          <a:blip r:embed="rId1"/>
+          <a:blip r:embed="rId2"/>
           <a:stretch>
             <a:fillRect/>
           </a:stretch>
@@ -11399,11 +11230,11 @@
   <p:clrMapOvr>
     <a:masterClrMapping/>
   </p:clrMapOvr>
-  <mc:AlternateContent xmlns:mc="http://schemas.openxmlformats.org/markup-compatibility/2006">
-    <mc:Choice xmlns:p14="http://schemas.microsoft.com/office/powerpoint/2010/main" Requires="p14">
-      <p:transition p14:dur="500"/>
+  <mc:AlternateContent xmlns:mc="http://schemas.openxmlformats.org/markup-compatibility/2006" xmlns:p14="http://schemas.microsoft.com/office/powerpoint/2010/main">
+    <mc:Choice Requires="p14">
+      <p:transition/>
     </mc:Choice>
-    <mc:Fallback>
+    <mc:Fallback xmlns="">
       <p:transition/>
     </mc:Fallback>
   </mc:AlternateContent>
@@ -11642,13 +11473,6 @@
               </a:rPr>
               <a:t>请您单击此处添加合适文字加以说明，可根据自己的需要适当地调整文字大小或者颜色等属性。</a:t>
             </a:r>
-            <a:endParaRPr lang="zh-CN" altLang="en-US" sz="1600" kern="0" dirty="0">
-              <a:solidFill>
-                <a:schemeClr val="bg1"/>
-              </a:solidFill>
-              <a:latin typeface="思源黑体 CN Normal" panose="020B0400000000000000" charset="-122"/>
-              <a:ea typeface="思源黑体 CN Normal" panose="020B0400000000000000" charset="-122"/>
-            </a:endParaRPr>
           </a:p>
         </p:txBody>
       </p:sp>
@@ -11905,21 +11729,6 @@
                 </a:rPr>
                 <a:t>了</a:t>
               </a:r>
-              <a:endParaRPr lang="zh-CN" altLang="en-US" sz="2000" kern="0" noProof="0" dirty="0">
-                <a:ln>
-                  <a:noFill/>
-                </a:ln>
-                <a:solidFill>
-                  <a:schemeClr val="tx1"/>
-                </a:solidFill>
-                <a:effectLst/>
-                <a:uLnTx/>
-                <a:uFillTx/>
-                <a:latin typeface="微软雅黑" panose="020B0503020204020204" charset="-122"/>
-                <a:ea typeface="微软雅黑" panose="020B0503020204020204" charset="-122"/>
-                <a:cs typeface="微软雅黑" panose="020B0503020204020204" charset="-122"/>
-                <a:sym typeface="+mn-ea"/>
-              </a:endParaRPr>
             </a:p>
             <a:p>
               <a:pPr indent="0">
@@ -12787,21 +12596,6 @@
                 </a:rPr>
                 <a:t>级别的。</a:t>
               </a:r>
-              <a:endParaRPr lang="zh-CN" altLang="en-US" sz="2000" kern="0" noProof="0" dirty="0">
-                <a:ln>
-                  <a:noFill/>
-                </a:ln>
-                <a:solidFill>
-                  <a:schemeClr val="tx1"/>
-                </a:solidFill>
-                <a:effectLst/>
-                <a:uLnTx/>
-                <a:uFillTx/>
-                <a:latin typeface="微软雅黑" panose="020B0503020204020204" charset="-122"/>
-                <a:ea typeface="微软雅黑" panose="020B0503020204020204" charset="-122"/>
-                <a:cs typeface="微软雅黑" panose="020B0503020204020204" charset="-122"/>
-                <a:sym typeface="+mn-ea"/>
-              </a:endParaRPr>
             </a:p>
             <a:p>
               <a:pPr indent="0">
@@ -12979,10 +12773,6 @@
                   </a:rPr>
                   <a:t>真题</a:t>
                 </a:r>
-                <a:endParaRPr lang="zh-CN" altLang="en-US" sz="3200" b="1" dirty="0">
-                  <a:cs typeface="+mn-ea"/>
-                  <a:sym typeface="+mn-lt"/>
-                </a:endParaRPr>
               </a:p>
             </p:txBody>
           </p:sp>
@@ -13309,7 +13099,7 @@
           <p:nvPr/>
         </p:nvPicPr>
         <p:blipFill>
-          <a:blip r:embed="rId1"/>
+          <a:blip r:embed="rId2"/>
           <a:stretch>
             <a:fillRect/>
           </a:stretch>
@@ -13329,11 +13119,11 @@
   <p:clrMapOvr>
     <a:masterClrMapping/>
   </p:clrMapOvr>
-  <mc:AlternateContent xmlns:mc="http://schemas.openxmlformats.org/markup-compatibility/2006">
-    <mc:Choice xmlns:p14="http://schemas.microsoft.com/office/powerpoint/2010/main" Requires="p14">
-      <p:transition p14:dur="500"/>
+  <mc:AlternateContent xmlns:mc="http://schemas.openxmlformats.org/markup-compatibility/2006" xmlns:p14="http://schemas.microsoft.com/office/powerpoint/2010/main">
+    <mc:Choice Requires="p14">
+      <p:transition/>
     </mc:Choice>
-    <mc:Fallback>
+    <mc:Fallback xmlns="">
       <p:transition/>
     </mc:Fallback>
   </mc:AlternateContent>
@@ -13572,13 +13362,6 @@
               </a:rPr>
               <a:t>请您单击此处添加合适文字加以说明，可根据自己的需要适当地调整文字大小或者颜色等属性。</a:t>
             </a:r>
-            <a:endParaRPr lang="zh-CN" altLang="en-US" sz="1600" kern="0" dirty="0">
-              <a:solidFill>
-                <a:schemeClr val="bg1"/>
-              </a:solidFill>
-              <a:latin typeface="思源黑体 CN Normal" panose="020B0400000000000000" charset="-122"/>
-              <a:ea typeface="思源黑体 CN Normal" panose="020B0400000000000000" charset="-122"/>
-            </a:endParaRPr>
           </a:p>
         </p:txBody>
       </p:sp>
@@ -13871,21 +13654,6 @@
                 </a:rPr>
                 <a:t>表示当前节点是否用了魔法。</a:t>
               </a:r>
-              <a:endParaRPr lang="zh-CN" altLang="en-US" sz="2000" kern="0" noProof="0" dirty="0">
-                <a:ln>
-                  <a:noFill/>
-                </a:ln>
-                <a:solidFill>
-                  <a:schemeClr val="tx1"/>
-                </a:solidFill>
-                <a:effectLst/>
-                <a:uLnTx/>
-                <a:uFillTx/>
-                <a:latin typeface="微软雅黑" panose="020B0503020204020204" charset="-122"/>
-                <a:ea typeface="微软雅黑" panose="020B0503020204020204" charset="-122"/>
-                <a:cs typeface="微软雅黑" panose="020B0503020204020204" charset="-122"/>
-                <a:sym typeface="+mn-ea"/>
-              </a:endParaRPr>
             </a:p>
             <a:p>
               <a:pPr indent="0">
@@ -13949,21 +13717,6 @@
                 </a:rPr>
                 <a:t>的状态含义取反，其他不变，我们可以写出以下程序：</a:t>
               </a:r>
-              <a:endParaRPr lang="zh-CN" altLang="en-US" sz="2000" kern="0" noProof="0" dirty="0">
-                <a:ln>
-                  <a:noFill/>
-                </a:ln>
-                <a:solidFill>
-                  <a:schemeClr val="tx1"/>
-                </a:solidFill>
-                <a:effectLst/>
-                <a:uLnTx/>
-                <a:uFillTx/>
-                <a:latin typeface="微软雅黑" panose="020B0503020204020204" charset="-122"/>
-                <a:ea typeface="微软雅黑" panose="020B0503020204020204" charset="-122"/>
-                <a:cs typeface="微软雅黑" panose="020B0503020204020204" charset="-122"/>
-                <a:sym typeface="+mn-ea"/>
-              </a:endParaRPr>
             </a:p>
             <a:p>
               <a:pPr indent="0">
@@ -14117,10 +13870,6 @@
                   </a:rPr>
                   <a:t>真题</a:t>
                 </a:r>
-                <a:endParaRPr lang="zh-CN" altLang="en-US" sz="3200" b="1" dirty="0">
-                  <a:cs typeface="+mn-ea"/>
-                  <a:sym typeface="+mn-lt"/>
-                </a:endParaRPr>
               </a:p>
             </p:txBody>
           </p:sp>
@@ -14447,7 +14196,7 @@
           <p:nvPr/>
         </p:nvPicPr>
         <p:blipFill>
-          <a:blip r:embed="rId1"/>
+          <a:blip r:embed="rId2"/>
           <a:stretch>
             <a:fillRect/>
           </a:stretch>
@@ -14467,11 +14216,11 @@
   <p:clrMapOvr>
     <a:masterClrMapping/>
   </p:clrMapOvr>
-  <mc:AlternateContent xmlns:mc="http://schemas.openxmlformats.org/markup-compatibility/2006">
-    <mc:Choice xmlns:p14="http://schemas.microsoft.com/office/powerpoint/2010/main" Requires="p14">
-      <p:transition p14:dur="500"/>
+  <mc:AlternateContent xmlns:mc="http://schemas.openxmlformats.org/markup-compatibility/2006" xmlns:p14="http://schemas.microsoft.com/office/powerpoint/2010/main">
+    <mc:Choice Requires="p14">
+      <p:transition/>
     </mc:Choice>
-    <mc:Fallback>
+    <mc:Fallback xmlns="">
       <p:transition/>
     </mc:Fallback>
   </mc:AlternateContent>
@@ -14710,13 +14459,6 @@
               </a:rPr>
               <a:t>请您单击此处添加合适文字加以说明，可根据自己的需要适当地调整文字大小或者颜色等属性。</a:t>
             </a:r>
-            <a:endParaRPr lang="zh-CN" altLang="en-US" sz="1600" kern="0" dirty="0">
-              <a:solidFill>
-                <a:schemeClr val="bg1"/>
-              </a:solidFill>
-              <a:latin typeface="思源黑体 CN Normal" panose="020B0400000000000000" charset="-122"/>
-              <a:ea typeface="思源黑体 CN Normal" panose="020B0400000000000000" charset="-122"/>
-            </a:endParaRPr>
           </a:p>
         </p:txBody>
       </p:sp>
@@ -15081,21 +14823,6 @@
                 </a:rPr>
                 <a:t>？</a:t>
               </a:r>
-              <a:endParaRPr lang="zh-CN" altLang="en-US" sz="2000" kern="0" noProof="0" dirty="0">
-                <a:ln>
-                  <a:noFill/>
-                </a:ln>
-                <a:solidFill>
-                  <a:schemeClr val="tx1"/>
-                </a:solidFill>
-                <a:effectLst/>
-                <a:uLnTx/>
-                <a:uFillTx/>
-                <a:latin typeface="微软雅黑" panose="020B0503020204020204" charset="-122"/>
-                <a:ea typeface="微软雅黑" panose="020B0503020204020204" charset="-122"/>
-                <a:cs typeface="微软雅黑" panose="020B0503020204020204" charset="-122"/>
-                <a:sym typeface="+mn-ea"/>
-              </a:endParaRPr>
             </a:p>
             <a:p>
               <a:pPr indent="0">
@@ -15255,21 +14982,6 @@
                 </a:rPr>
                 <a:t>操作时会比较麻烦。</a:t>
               </a:r>
-              <a:endParaRPr lang="zh-CN" altLang="en-US" sz="2000" kern="0" noProof="0" dirty="0">
-                <a:ln>
-                  <a:noFill/>
-                </a:ln>
-                <a:solidFill>
-                  <a:schemeClr val="tx1"/>
-                </a:solidFill>
-                <a:effectLst/>
-                <a:uLnTx/>
-                <a:uFillTx/>
-                <a:latin typeface="微软雅黑" panose="020B0503020204020204" charset="-122"/>
-                <a:ea typeface="微软雅黑" panose="020B0503020204020204" charset="-122"/>
-                <a:cs typeface="微软雅黑" panose="020B0503020204020204" charset="-122"/>
-                <a:sym typeface="+mn-ea"/>
-              </a:endParaRPr>
             </a:p>
             <a:p>
               <a:pPr indent="0">
@@ -15465,21 +15177,6 @@
                 </a:rPr>
                 <a:t>写也行，外层不能改。</a:t>
               </a:r>
-              <a:endParaRPr lang="zh-CN" altLang="en-US" sz="2000" kern="0" noProof="0" dirty="0">
-                <a:ln>
-                  <a:noFill/>
-                </a:ln>
-                <a:solidFill>
-                  <a:schemeClr val="tx1"/>
-                </a:solidFill>
-                <a:effectLst/>
-                <a:uLnTx/>
-                <a:uFillTx/>
-                <a:latin typeface="微软雅黑" panose="020B0503020204020204" charset="-122"/>
-                <a:ea typeface="微软雅黑" panose="020B0503020204020204" charset="-122"/>
-                <a:cs typeface="微软雅黑" panose="020B0503020204020204" charset="-122"/>
-                <a:sym typeface="+mn-ea"/>
-              </a:endParaRPr>
             </a:p>
             <a:p>
               <a:pPr indent="0">
@@ -15603,21 +15300,6 @@
                 </a:rPr>
                 <a:t>写在外层可以吗？答案是不可以，因为也不能保证一棵子树只选一次。</a:t>
               </a:r>
-              <a:endParaRPr lang="zh-CN" altLang="en-US" sz="2000" kern="0" noProof="0" dirty="0">
-                <a:ln>
-                  <a:noFill/>
-                </a:ln>
-                <a:solidFill>
-                  <a:schemeClr val="tx1"/>
-                </a:solidFill>
-                <a:effectLst/>
-                <a:uLnTx/>
-                <a:uFillTx/>
-                <a:latin typeface="微软雅黑" panose="020B0503020204020204" charset="-122"/>
-                <a:ea typeface="微软雅黑" panose="020B0503020204020204" charset="-122"/>
-                <a:cs typeface="微软雅黑" panose="020B0503020204020204" charset="-122"/>
-                <a:sym typeface="+mn-ea"/>
-              </a:endParaRPr>
             </a:p>
           </p:txBody>
         </p:sp>
@@ -15747,10 +15429,6 @@
                   </a:rPr>
                   <a:t>真题</a:t>
                 </a:r>
-                <a:endParaRPr lang="zh-CN" altLang="en-US" sz="3200" b="1" dirty="0">
-                  <a:cs typeface="+mn-ea"/>
-                  <a:sym typeface="+mn-lt"/>
-                </a:endParaRPr>
               </a:p>
             </p:txBody>
           </p:sp>
@@ -16073,11 +15751,11 @@
   <p:clrMapOvr>
     <a:masterClrMapping/>
   </p:clrMapOvr>
-  <mc:AlternateContent xmlns:mc="http://schemas.openxmlformats.org/markup-compatibility/2006">
-    <mc:Choice xmlns:p14="http://schemas.microsoft.com/office/powerpoint/2010/main" Requires="p14">
-      <p:transition p14:dur="500"/>
+  <mc:AlternateContent xmlns:mc="http://schemas.openxmlformats.org/markup-compatibility/2006" xmlns:p14="http://schemas.microsoft.com/office/powerpoint/2010/main">
+    <mc:Choice Requires="p14">
+      <p:transition/>
     </mc:Choice>
-    <mc:Fallback>
+    <mc:Fallback xmlns="">
       <p:transition/>
     </mc:Fallback>
   </mc:AlternateContent>
@@ -16316,13 +15994,6 @@
               </a:rPr>
               <a:t>请您单击此处添加合适文字加以说明，可根据自己的需要适当地调整文字大小或者颜色等属性。</a:t>
             </a:r>
-            <a:endParaRPr lang="zh-CN" altLang="en-US" sz="1600" kern="0" dirty="0">
-              <a:solidFill>
-                <a:schemeClr val="bg1"/>
-              </a:solidFill>
-              <a:latin typeface="思源黑体 CN Normal" panose="020B0400000000000000" charset="-122"/>
-              <a:ea typeface="思源黑体 CN Normal" panose="020B0400000000000000" charset="-122"/>
-            </a:endParaRPr>
           </a:p>
         </p:txBody>
       </p:sp>
@@ -16562,10 +16233,6 @@
                   </a:rPr>
                   <a:t>：模板</a:t>
                 </a:r>
-                <a:endParaRPr lang="zh-CN" altLang="en-US" sz="3200" b="1" dirty="0">
-                  <a:cs typeface="+mn-ea"/>
-                  <a:sym typeface="+mn-lt"/>
-                </a:endParaRPr>
               </a:p>
             </p:txBody>
           </p:sp>
@@ -16903,6 +16570,7 @@
           <a:bodyPr wrap="square" rtlCol="0">
             <a:noAutofit/>
           </a:bodyPr>
+          <a:lstStyle/>
           <a:p>
             <a:r>
               <a:rPr lang="zh-CN" sz="2800">
@@ -16944,13 +16612,6 @@
               </a:rPr>
               <a:t>dp</a:t>
             </a:r>
-            <a:endParaRPr lang="en-US" altLang="zh-CN" sz="2800">
-              <a:ln/>
-              <a:solidFill>
-                <a:schemeClr val="tx1"/>
-              </a:solidFill>
-              <a:effectLst/>
-            </a:endParaRPr>
           </a:p>
           <a:p>
             <a:r>
@@ -17043,13 +16704,6 @@
               </a:rPr>
               <a:t>，然后再递推。</a:t>
             </a:r>
-            <a:endParaRPr lang="zh-CN" altLang="en-US" sz="2800">
-              <a:ln/>
-              <a:solidFill>
-                <a:schemeClr val="tx1"/>
-              </a:solidFill>
-              <a:effectLst/>
-            </a:endParaRPr>
           </a:p>
           <a:p>
             <a:endParaRPr lang="zh-CN" altLang="en-US" sz="2800">
@@ -17071,7 +16725,7 @@
           <p:nvPr/>
         </p:nvPicPr>
         <p:blipFill>
-          <a:blip r:embed="rId1"/>
+          <a:blip r:embed="rId2"/>
           <a:stretch>
             <a:fillRect/>
           </a:stretch>
@@ -17091,11 +16745,11 @@
   <p:clrMapOvr>
     <a:masterClrMapping/>
   </p:clrMapOvr>
-  <mc:AlternateContent xmlns:mc="http://schemas.openxmlformats.org/markup-compatibility/2006">
-    <mc:Choice xmlns:p14="http://schemas.microsoft.com/office/powerpoint/2010/main" Requires="p14">
-      <p:transition p14:dur="500"/>
+  <mc:AlternateContent xmlns:mc="http://schemas.openxmlformats.org/markup-compatibility/2006" xmlns:p14="http://schemas.microsoft.com/office/powerpoint/2010/main">
+    <mc:Choice Requires="p14">
+      <p:transition/>
     </mc:Choice>
-    <mc:Fallback>
+    <mc:Fallback xmlns="">
       <p:transition/>
     </mc:Fallback>
   </mc:AlternateContent>
@@ -17334,13 +16988,6 @@
               </a:rPr>
               <a:t>请您单击此处添加合适文字加以说明，可根据自己的需要适当地调整文字大小或者颜色等属性。</a:t>
             </a:r>
-            <a:endParaRPr lang="zh-CN" altLang="en-US" sz="1600" kern="0" dirty="0">
-              <a:solidFill>
-                <a:schemeClr val="bg1"/>
-              </a:solidFill>
-              <a:latin typeface="思源黑体 CN Normal" panose="020B0400000000000000" charset="-122"/>
-              <a:ea typeface="思源黑体 CN Normal" panose="020B0400000000000000" charset="-122"/>
-            </a:endParaRPr>
           </a:p>
         </p:txBody>
       </p:sp>
@@ -17580,10 +17227,6 @@
                   </a:rPr>
                   <a:t>：例题</a:t>
                 </a:r>
-                <a:endParaRPr lang="zh-CN" altLang="en-US" sz="3200" b="1" dirty="0">
-                  <a:cs typeface="+mn-ea"/>
-                  <a:sym typeface="+mn-lt"/>
-                </a:endParaRPr>
               </a:p>
             </p:txBody>
           </p:sp>
@@ -17921,6 +17564,7 @@
           <a:bodyPr wrap="square" rtlCol="0">
             <a:noAutofit/>
           </a:bodyPr>
+          <a:lstStyle/>
           <a:p>
             <a:endParaRPr lang="zh-CN" altLang="en-US" sz="2800">
               <a:solidFill>
@@ -17940,7 +17584,7 @@
           <p:nvPr/>
         </p:nvPicPr>
         <p:blipFill>
-          <a:blip r:embed="rId1"/>
+          <a:blip r:embed="rId2"/>
           <a:stretch>
             <a:fillRect/>
           </a:stretch>
@@ -17960,11 +17604,11 @@
   <p:clrMapOvr>
     <a:masterClrMapping/>
   </p:clrMapOvr>
-  <mc:AlternateContent xmlns:mc="http://schemas.openxmlformats.org/markup-compatibility/2006">
-    <mc:Choice xmlns:p14="http://schemas.microsoft.com/office/powerpoint/2010/main" Requires="p14">
-      <p:transition p14:dur="500"/>
+  <mc:AlternateContent xmlns:mc="http://schemas.openxmlformats.org/markup-compatibility/2006" xmlns:p14="http://schemas.microsoft.com/office/powerpoint/2010/main">
+    <mc:Choice Requires="p14">
+      <p:transition/>
     </mc:Choice>
-    <mc:Fallback>
+    <mc:Fallback xmlns="">
       <p:transition/>
     </mc:Fallback>
   </mc:AlternateContent>
@@ -18203,13 +17847,6 @@
               </a:rPr>
               <a:t>请您单击此处添加合适文字加以说明，可根据自己的需要适当地调整文字大小或者颜色等属性。</a:t>
             </a:r>
-            <a:endParaRPr lang="zh-CN" altLang="en-US" sz="1600" kern="0" dirty="0">
-              <a:solidFill>
-                <a:schemeClr val="bg1"/>
-              </a:solidFill>
-              <a:latin typeface="思源黑体 CN Normal" panose="020B0400000000000000" charset="-122"/>
-              <a:ea typeface="思源黑体 CN Normal" panose="020B0400000000000000" charset="-122"/>
-            </a:endParaRPr>
           </a:p>
         </p:txBody>
       </p:sp>
@@ -18449,10 +18086,6 @@
                   </a:rPr>
                   <a:t>：例题</a:t>
                 </a:r>
-                <a:endParaRPr lang="zh-CN" altLang="en-US" sz="3200" b="1" dirty="0">
-                  <a:cs typeface="+mn-ea"/>
-                  <a:sym typeface="+mn-lt"/>
-                </a:endParaRPr>
               </a:p>
             </p:txBody>
           </p:sp>
@@ -18790,6 +18423,7 @@
           <a:bodyPr wrap="square" rtlCol="0">
             <a:noAutofit/>
           </a:bodyPr>
+          <a:lstStyle/>
           <a:p>
             <a:endParaRPr lang="zh-CN" altLang="en-US" sz="2800">
               <a:solidFill>
@@ -18832,12 +18466,6 @@
               </a:rPr>
               <a:t>知道了状态转移式，我们就可以一边拓扑排序一边递推了</a:t>
             </a:r>
-            <a:endParaRPr lang="zh-CN" altLang="en-US" sz="2400">
-              <a:solidFill>
-                <a:schemeClr val="tx1"/>
-              </a:solidFill>
-              <a:effectLst/>
-            </a:endParaRPr>
           </a:p>
         </p:txBody>
       </p:sp>
@@ -18850,7 +18478,7 @@
           <p:nvPr/>
         </p:nvPicPr>
         <p:blipFill>
-          <a:blip r:embed="rId1"/>
+          <a:blip r:embed="rId2"/>
           <a:stretch>
             <a:fillRect/>
           </a:stretch>
@@ -18874,7 +18502,7 @@
           <p:nvPr/>
         </p:nvPicPr>
         <p:blipFill>
-          <a:blip r:embed="rId2"/>
+          <a:blip r:embed="rId3"/>
           <a:stretch>
             <a:fillRect/>
           </a:stretch>
@@ -18894,11 +18522,11 @@
   <p:clrMapOvr>
     <a:masterClrMapping/>
   </p:clrMapOvr>
-  <mc:AlternateContent xmlns:mc="http://schemas.openxmlformats.org/markup-compatibility/2006">
-    <mc:Choice xmlns:p14="http://schemas.microsoft.com/office/powerpoint/2010/main" Requires="p14">
-      <p:transition p14:dur="500"/>
+  <mc:AlternateContent xmlns:mc="http://schemas.openxmlformats.org/markup-compatibility/2006" xmlns:p14="http://schemas.microsoft.com/office/powerpoint/2010/main">
+    <mc:Choice Requires="p14">
+      <p:transition/>
     </mc:Choice>
-    <mc:Fallback>
+    <mc:Fallback xmlns="">
       <p:transition/>
     </mc:Fallback>
   </mc:AlternateContent>
@@ -19137,13 +18765,6 @@
               </a:rPr>
               <a:t>请您单击此处添加合适文字加以说明，可根据自己的需要适当地调整文字大小或者颜色等属性。</a:t>
             </a:r>
-            <a:endParaRPr lang="zh-CN" altLang="en-US" sz="1600" kern="0" dirty="0">
-              <a:solidFill>
-                <a:schemeClr val="bg1"/>
-              </a:solidFill>
-              <a:latin typeface="思源黑体 CN Normal" panose="020B0400000000000000" charset="-122"/>
-              <a:ea typeface="思源黑体 CN Normal" panose="020B0400000000000000" charset="-122"/>
-            </a:endParaRPr>
           </a:p>
         </p:txBody>
       </p:sp>
@@ -19383,10 +19004,6 @@
                   </a:rPr>
                   <a:t>：例题</a:t>
                 </a:r>
-                <a:endParaRPr lang="zh-CN" altLang="en-US" sz="3200" b="1" dirty="0">
-                  <a:cs typeface="+mn-ea"/>
-                  <a:sym typeface="+mn-lt"/>
-                </a:endParaRPr>
               </a:p>
             </p:txBody>
           </p:sp>
@@ -19724,6 +19341,7 @@
           <a:bodyPr wrap="square" rtlCol="0">
             <a:noAutofit/>
           </a:bodyPr>
+          <a:lstStyle/>
           <a:p>
             <a:r>
               <a:rPr lang="zh-CN" altLang="en-US" sz="2400">
@@ -19734,12 +19352,6 @@
               </a:rPr>
               <a:t>为什么要逆推呢？</a:t>
             </a:r>
-            <a:endParaRPr lang="zh-CN" altLang="en-US" sz="2400">
-              <a:solidFill>
-                <a:schemeClr val="tx1"/>
-              </a:solidFill>
-              <a:effectLst/>
-            </a:endParaRPr>
           </a:p>
           <a:p>
             <a:r>
@@ -19769,12 +19381,6 @@
               </a:rPr>
               <a:t>，我们只计算到终点的路径。</a:t>
             </a:r>
-            <a:endParaRPr lang="zh-CN" altLang="en-US" sz="2400">
-              <a:solidFill>
-                <a:schemeClr val="tx1"/>
-              </a:solidFill>
-              <a:effectLst/>
-            </a:endParaRPr>
           </a:p>
           <a:p>
             <a:r>
@@ -19822,12 +19428,6 @@
               </a:rPr>
               <a:t>的概率。</a:t>
             </a:r>
-            <a:endParaRPr lang="zh-CN" altLang="en-US" sz="2400">
-              <a:solidFill>
-                <a:schemeClr val="tx1"/>
-              </a:solidFill>
-              <a:effectLst/>
-            </a:endParaRPr>
           </a:p>
           <a:p>
             <a:r>
@@ -19866,12 +19466,6 @@
               </a:rPr>
               <a:t>走这条边的概率。</a:t>
             </a:r>
-            <a:endParaRPr lang="zh-CN" altLang="en-US" sz="2400">
-              <a:solidFill>
-                <a:schemeClr val="tx1"/>
-              </a:solidFill>
-              <a:effectLst/>
-            </a:endParaRPr>
           </a:p>
           <a:p>
             <a:endParaRPr lang="zh-CN" altLang="en-US" sz="2400">
@@ -19932,12 +19526,6 @@
               </a:rPr>
               <a:t>1</a:t>
             </a:r>
-            <a:endParaRPr lang="en-US" altLang="zh-CN" sz="2400">
-              <a:solidFill>
-                <a:schemeClr val="tx1"/>
-              </a:solidFill>
-              <a:effectLst/>
-            </a:endParaRPr>
           </a:p>
           <a:p>
             <a:r>
@@ -19958,12 +19546,6 @@
               </a:rPr>
               <a:t>cf1874C</a:t>
             </a:r>
-            <a:endParaRPr lang="en-US" altLang="zh-CN" sz="2400">
-              <a:solidFill>
-                <a:schemeClr val="tx1"/>
-              </a:solidFill>
-              <a:effectLst/>
-            </a:endParaRPr>
           </a:p>
         </p:txBody>
       </p:sp>
@@ -19976,7 +19558,7 @@
           <p:nvPr/>
         </p:nvPicPr>
         <p:blipFill>
-          <a:blip r:embed="rId1"/>
+          <a:blip r:embed="rId2"/>
           <a:stretch>
             <a:fillRect/>
           </a:stretch>
@@ -19996,11 +19578,11 @@
   <p:clrMapOvr>
     <a:masterClrMapping/>
   </p:clrMapOvr>
-  <mc:AlternateContent xmlns:mc="http://schemas.openxmlformats.org/markup-compatibility/2006">
-    <mc:Choice xmlns:p14="http://schemas.microsoft.com/office/powerpoint/2010/main" Requires="p14">
-      <p:transition p14:dur="500"/>
+  <mc:AlternateContent xmlns:mc="http://schemas.openxmlformats.org/markup-compatibility/2006" xmlns:p14="http://schemas.microsoft.com/office/powerpoint/2010/main">
+    <mc:Choice Requires="p14">
+      <p:transition/>
     </mc:Choice>
-    <mc:Fallback>
+    <mc:Fallback xmlns="">
       <p:transition/>
     </mc:Fallback>
   </mc:AlternateContent>
@@ -20054,7 +19636,7 @@
             <p:nvPr/>
           </p:nvPicPr>
           <p:blipFill rotWithShape="1">
-            <a:blip r:embed="rId1" cstate="print">
+            <a:blip r:embed="rId2" cstate="print">
               <a:extLst>
                 <a:ext uri="{28A0092B-C50C-407E-A947-70E740481C1C}">
                   <a14:useLocalDpi xmlns:a14="http://schemas.microsoft.com/office/drawing/2010/main" val="0"/>
@@ -22169,19 +21751,6 @@
                 </a:rPr>
                 <a:t>fangcy</a:t>
               </a:r>
-              <a:endParaRPr kumimoji="0" lang="en-US" altLang="zh-CN" sz="1600" b="0" i="0" u="none" strike="noStrike" kern="0" cap="none" spc="0" normalizeH="0" baseline="0" noProof="0" dirty="0">
-                <a:ln>
-                  <a:noFill/>
-                </a:ln>
-                <a:solidFill>
-                  <a:prstClr val="white"/>
-                </a:solidFill>
-                <a:effectLst/>
-                <a:uLnTx/>
-                <a:uFillTx/>
-                <a:cs typeface="+mn-ea"/>
-                <a:sym typeface="+mn-lt"/>
-              </a:endParaRPr>
             </a:p>
           </p:txBody>
         </p:sp>
@@ -22349,19 +21918,6 @@
                 </a:rPr>
                 <a:t>2024.08.07</a:t>
               </a:r>
-              <a:endParaRPr kumimoji="0" lang="en-US" altLang="zh-CN" sz="1600" b="0" i="0" u="none" strike="noStrike" kern="0" cap="none" spc="0" normalizeH="0" baseline="0" noProof="0" dirty="0">
-                <a:ln>
-                  <a:noFill/>
-                </a:ln>
-                <a:solidFill>
-                  <a:prstClr val="white"/>
-                </a:solidFill>
-                <a:effectLst/>
-                <a:uLnTx/>
-                <a:uFillTx/>
-                <a:cs typeface="+mn-ea"/>
-                <a:sym typeface="+mn-lt"/>
-              </a:endParaRPr>
             </a:p>
           </p:txBody>
         </p:sp>
@@ -22391,6 +21947,7 @@
             </a:scene3d>
             <a:sp3d contourW="12700"/>
           </a:bodyPr>
+          <a:lstStyle/>
           <a:p>
             <a:pPr marL="0" marR="0" lvl="0" indent="0" algn="ctr" defTabSz="914400" rtl="0" eaLnBrk="1" fontAlgn="auto" latinLnBrk="0" hangingPunct="1">
               <a:lnSpc>
@@ -22426,21 +21983,6 @@
               </a:rPr>
               <a:t>Thank you</a:t>
             </a:r>
-            <a:endParaRPr kumimoji="0" lang="en-US" altLang="zh-CN" sz="5400" b="1" i="0" u="none" strike="noStrike" kern="1200" cap="none" spc="0" normalizeH="0" baseline="0" noProof="0" dirty="0">
-              <a:ln>
-                <a:noFill/>
-              </a:ln>
-              <a:solidFill>
-                <a:srgbClr val="00335D"/>
-              </a:solidFill>
-              <a:effectLst/>
-              <a:uLnTx/>
-              <a:uFillTx/>
-              <a:latin typeface="微软雅黑" panose="020B0503020204020204" charset="-122"/>
-              <a:ea typeface="微软雅黑" panose="020B0503020204020204" charset="-122"/>
-              <a:cs typeface="+mn-ea"/>
-              <a:sym typeface="+mn-lt"/>
-            </a:endParaRPr>
           </a:p>
         </p:txBody>
       </p:sp>
@@ -22449,11 +21991,11 @@
   <p:clrMapOvr>
     <a:masterClrMapping/>
   </p:clrMapOvr>
-  <mc:AlternateContent xmlns:mc="http://schemas.openxmlformats.org/markup-compatibility/2006">
-    <mc:Choice xmlns:p14="http://schemas.microsoft.com/office/powerpoint/2010/main" Requires="p14">
-      <p:transition p14:dur="500"/>
+  <mc:AlternateContent xmlns:mc="http://schemas.openxmlformats.org/markup-compatibility/2006" xmlns:p14="http://schemas.microsoft.com/office/powerpoint/2010/main">
+    <mc:Choice Requires="p14">
+      <p:transition/>
     </mc:Choice>
-    <mc:Fallback>
+    <mc:Fallback xmlns="">
       <p:transition/>
     </mc:Fallback>
   </mc:AlternateContent>
@@ -22685,13 +22227,6 @@
               </a:rPr>
               <a:t>请您单击此处添加合适文字加以说明，可根据自己的需要适当地调整文字大小或者颜色等属性。</a:t>
             </a:r>
-            <a:endParaRPr lang="zh-CN" altLang="en-US" sz="1600" kern="0" dirty="0">
-              <a:solidFill>
-                <a:schemeClr val="bg1"/>
-              </a:solidFill>
-              <a:latin typeface="思源黑体 CN Normal" panose="020B0400000000000000" charset="-122"/>
-              <a:ea typeface="思源黑体 CN Normal" panose="020B0400000000000000" charset="-122"/>
-            </a:endParaRPr>
           </a:p>
         </p:txBody>
       </p:sp>
@@ -22924,10 +22459,6 @@
                   </a:rPr>
                   <a:t>引入</a:t>
                 </a:r>
-                <a:endParaRPr lang="zh-CN" altLang="en-US" sz="3200" b="1" dirty="0">
-                  <a:cs typeface="+mn-ea"/>
-                  <a:sym typeface="+mn-lt"/>
-                </a:endParaRPr>
               </a:p>
             </p:txBody>
           </p:sp>
@@ -23265,13 +22796,13 @@
           <a:bodyPr wrap="square" rtlCol="0">
             <a:noAutofit/>
           </a:bodyPr>
+          <a:lstStyle/>
           <a:p>
             <a:pPr indent="457200"/>
             <a:r>
               <a:rPr lang="zh-CN" altLang="en-US" sz="2800"/>
               <a:t>树与图上的动态规划，顾名思义，就是以树或图为模型的动态规划。树上动态规划是最常见 的动态规划形式之一，因为树型本身就带来了子结构（树上的父子关系），大部分情况下，都是通过子结点的 DP 值推导出父结点的 DP 值。</a:t>
             </a:r>
-            <a:endParaRPr lang="zh-CN" altLang="en-US" sz="2800"/>
           </a:p>
           <a:p>
             <a:pPr indent="457200"/>
@@ -23287,7 +22818,6 @@
               <a:rPr lang="zh-CN" altLang="en-US" sz="2800"/>
               <a:t>的基本性质</a:t>
             </a:r>
-            <a:endParaRPr lang="zh-CN" altLang="en-US" sz="2800"/>
           </a:p>
         </p:txBody>
       </p:sp>
@@ -23296,11 +22826,11 @@
   <p:clrMapOvr>
     <a:masterClrMapping/>
   </p:clrMapOvr>
-  <mc:AlternateContent xmlns:mc="http://schemas.openxmlformats.org/markup-compatibility/2006">
-    <mc:Choice xmlns:p14="http://schemas.microsoft.com/office/powerpoint/2010/main" Requires="p14">
-      <p:transition p14:dur="500"/>
+  <mc:AlternateContent xmlns:mc="http://schemas.openxmlformats.org/markup-compatibility/2006" xmlns:p14="http://schemas.microsoft.com/office/powerpoint/2010/main">
+    <mc:Choice Requires="p14">
+      <p:transition/>
     </mc:Choice>
-    <mc:Fallback>
+    <mc:Fallback xmlns="">
       <p:transition/>
     </mc:Fallback>
   </mc:AlternateContent>
@@ -23532,13 +23062,6 @@
               </a:rPr>
               <a:t>请您单击此处添加合适文字加以说明，可根据自己的需要适当地调整文字大小或者颜色等属性。</a:t>
             </a:r>
-            <a:endParaRPr lang="zh-CN" altLang="en-US" sz="1600" kern="0" dirty="0">
-              <a:solidFill>
-                <a:schemeClr val="bg1"/>
-              </a:solidFill>
-              <a:latin typeface="思源黑体 CN Normal" panose="020B0400000000000000" charset="-122"/>
-              <a:ea typeface="思源黑体 CN Normal" panose="020B0400000000000000" charset="-122"/>
-            </a:endParaRPr>
           </a:p>
         </p:txBody>
       </p:sp>
@@ -23622,21 +23145,6 @@
                 </a:rPr>
                 <a:t>P1352</a:t>
               </a:r>
-              <a:endParaRPr kumimoji="0" lang="en-US" altLang="zh-CN" sz="2000" u="none" strike="noStrike" kern="0" cap="none" spc="0" normalizeH="0" baseline="0" noProof="0" dirty="0">
-                <a:ln>
-                  <a:noFill/>
-                </a:ln>
-                <a:solidFill>
-                  <a:schemeClr val="tx1"/>
-                </a:solidFill>
-                <a:effectLst/>
-                <a:uLnTx/>
-                <a:uFillTx/>
-                <a:latin typeface="Cambria Math" panose="02040503050406030204" charset="0"/>
-                <a:ea typeface="思源黑体 CN Normal" panose="020B0400000000000000" charset="-122"/>
-                <a:cs typeface="Cambria Math" panose="02040503050406030204" charset="0"/>
-                <a:sym typeface="思源黑体 CN Bold" panose="020B0800000000000000" pitchFamily="34" charset="-122"/>
-              </a:endParaRPr>
             </a:p>
             <a:p>
               <a:pPr marL="285750" indent="-285750">
@@ -23701,21 +23209,6 @@
                 </a:rPr>
                 <a:t>个节点的树，每个节点有一个权值，需要选出一些点，使得他们的权值和最大，并且不存在两个节点使得他们是父子关系。</a:t>
               </a:r>
-              <a:endParaRPr kumimoji="0" lang="zh-CN" altLang="en-US" sz="2000" u="none" strike="noStrike" kern="0" cap="none" spc="0" normalizeH="0" baseline="0" noProof="0" dirty="0">
-                <a:ln>
-                  <a:noFill/>
-                </a:ln>
-                <a:solidFill>
-                  <a:schemeClr val="tx1"/>
-                </a:solidFill>
-                <a:effectLst/>
-                <a:uLnTx/>
-                <a:uFillTx/>
-                <a:latin typeface="Cambria Math" panose="02040503050406030204" charset="0"/>
-                <a:ea typeface="思源黑体 CN Normal" panose="020B0400000000000000" charset="-122"/>
-                <a:cs typeface="Cambria Math" panose="02040503050406030204" charset="0"/>
-                <a:sym typeface="思源黑体 CN Bold" panose="020B0800000000000000" pitchFamily="34" charset="-122"/>
-              </a:endParaRPr>
             </a:p>
             <a:p>
               <a:pPr marL="285750" indent="-285750">
@@ -23877,21 +23370,6 @@
                 </a:rPr>
                 <a:t>所在的子树内最大的权值和；</a:t>
               </a:r>
-              <a:endParaRPr kumimoji="0" lang="zh-CN" altLang="en-US" sz="2000" u="none" strike="noStrike" kern="0" cap="none" spc="0" normalizeH="0" baseline="0" noProof="0" dirty="0">
-                <a:ln>
-                  <a:noFill/>
-                </a:ln>
-                <a:solidFill>
-                  <a:schemeClr val="tx1"/>
-                </a:solidFill>
-                <a:effectLst/>
-                <a:uLnTx/>
-                <a:uFillTx/>
-                <a:latin typeface="Cambria Math" panose="02040503050406030204" charset="0"/>
-                <a:ea typeface="思源黑体 CN Normal" panose="020B0400000000000000" charset="-122"/>
-                <a:cs typeface="Cambria Math" panose="02040503050406030204" charset="0"/>
-                <a:sym typeface="思源黑体 CN Bold" panose="020B0800000000000000" pitchFamily="34" charset="-122"/>
-              </a:endParaRPr>
             </a:p>
             <a:p>
               <a:pPr indent="0">
@@ -24010,21 +23488,6 @@
                 </a:rPr>
                 <a:t>所在子树内最大的权值和。</a:t>
               </a:r>
-              <a:endParaRPr kumimoji="0" lang="zh-CN" altLang="en-US" sz="2000" u="none" strike="noStrike" kern="0" cap="none" spc="0" normalizeH="0" baseline="0" noProof="0" dirty="0">
-                <a:ln>
-                  <a:noFill/>
-                </a:ln>
-                <a:solidFill>
-                  <a:schemeClr val="tx1"/>
-                </a:solidFill>
-                <a:effectLst/>
-                <a:uLnTx/>
-                <a:uFillTx/>
-                <a:latin typeface="Cambria Math" panose="02040503050406030204" charset="0"/>
-                <a:ea typeface="思源黑体 CN Normal" panose="020B0400000000000000" charset="-122"/>
-                <a:cs typeface="Cambria Math" panose="02040503050406030204" charset="0"/>
-                <a:sym typeface="思源黑体 CN Bold" panose="020B0800000000000000" pitchFamily="34" charset="-122"/>
-              </a:endParaRPr>
             </a:p>
             <a:p>
               <a:pPr indent="0">
@@ -24078,21 +23541,6 @@
                 </a:rPr>
                 <a:t>f(u,0) =          max {  f(v,0) , f(v,1) }</a:t>
               </a:r>
-              <a:endParaRPr kumimoji="0" lang="en-US" altLang="zh-CN" sz="2000" u="none" strike="noStrike" kern="0" cap="none" spc="0" normalizeH="0" baseline="0" noProof="0" dirty="0">
-                <a:ln>
-                  <a:noFill/>
-                </a:ln>
-                <a:solidFill>
-                  <a:schemeClr val="tx1"/>
-                </a:solidFill>
-                <a:effectLst/>
-                <a:uLnTx/>
-                <a:uFillTx/>
-                <a:latin typeface="Cambria Math" panose="02040503050406030204" charset="0"/>
-                <a:ea typeface="思源黑体 CN Normal" panose="020B0400000000000000" charset="-122"/>
-                <a:cs typeface="Cambria Math" panose="02040503050406030204" charset="0"/>
-                <a:sym typeface="思源黑体 CN Bold" panose="020B0800000000000000" pitchFamily="34" charset="-122"/>
-              </a:endParaRPr>
             </a:p>
             <a:p>
               <a:pPr indent="0">
@@ -24118,18 +23566,6 @@
                 </a:rPr>
                 <a:t>f(u,1) =          f(v,0)</a:t>
               </a:r>
-              <a:endParaRPr lang="en-US" altLang="zh-CN" sz="2000" kern="0" noProof="0" dirty="0">
-                <a:ln>
-                  <a:noFill/>
-                </a:ln>
-                <a:effectLst/>
-                <a:uLnTx/>
-                <a:uFillTx/>
-                <a:latin typeface="Cambria Math" panose="02040503050406030204" charset="0"/>
-                <a:ea typeface="思源黑体 CN Normal" panose="020B0400000000000000" charset="-122"/>
-                <a:cs typeface="Cambria Math" panose="02040503050406030204" charset="0"/>
-                <a:sym typeface="思源黑体 CN Bold" panose="020B0800000000000000" pitchFamily="34" charset="-122"/>
-              </a:endParaRPr>
             </a:p>
             <a:p>
               <a:pPr indent="0">
@@ -24255,21 +23691,6 @@
                 </a:rPr>
                 <a:t>的子节点。</a:t>
               </a:r>
-              <a:endParaRPr kumimoji="0" lang="zh-CN" altLang="en-US" sz="2000" u="none" strike="noStrike" kern="0" cap="none" spc="0" normalizeH="0" baseline="0" noProof="0" dirty="0">
-                <a:ln>
-                  <a:noFill/>
-                </a:ln>
-                <a:solidFill>
-                  <a:schemeClr val="tx1"/>
-                </a:solidFill>
-                <a:effectLst/>
-                <a:uLnTx/>
-                <a:uFillTx/>
-                <a:latin typeface="Cambria Math" panose="02040503050406030204" charset="0"/>
-                <a:ea typeface="思源黑体 CN Normal" panose="020B0400000000000000" charset="-122"/>
-                <a:cs typeface="Cambria Math" panose="02040503050406030204" charset="0"/>
-                <a:sym typeface="思源黑体 CN Bold" panose="020B0800000000000000" pitchFamily="34" charset="-122"/>
-              </a:endParaRPr>
             </a:p>
           </p:txBody>
         </p:sp>
@@ -24440,10 +23861,6 @@
                   </a:rPr>
                   <a:t>引入</a:t>
                 </a:r>
-                <a:endParaRPr lang="zh-CN" altLang="en-US" sz="3200" b="1" dirty="0">
-                  <a:cs typeface="+mn-ea"/>
-                  <a:sym typeface="+mn-lt"/>
-                </a:endParaRPr>
               </a:p>
             </p:txBody>
           </p:sp>
@@ -24781,6 +24198,7 @@
           <a:bodyPr wrap="none" rtlCol="0" anchor="t">
             <a:spAutoFit/>
           </a:bodyPr>
+          <a:lstStyle/>
           <a:p>
             <a:r>
               <a:rPr lang="zh-CN" altLang="en-US">
@@ -24789,10 +24207,6 @@
               </a:rPr>
               <a:t>∑</a:t>
             </a:r>
-            <a:endParaRPr lang="zh-CN" altLang="en-US">
-              <a:latin typeface="Arial" panose="020B0604020202020204" pitchFamily="34" charset="0"/>
-              <a:cs typeface="Arial" panose="020B0604020202020204" pitchFamily="34" charset="0"/>
-            </a:endParaRPr>
           </a:p>
         </p:txBody>
       </p:sp>
@@ -24816,6 +24230,7 @@
           <a:bodyPr wrap="none" rtlCol="0" anchor="t">
             <a:spAutoFit/>
           </a:bodyPr>
+          <a:lstStyle/>
           <a:p>
             <a:r>
               <a:rPr lang="zh-CN" altLang="en-US">
@@ -24824,10 +24239,6 @@
               </a:rPr>
               <a:t>∑</a:t>
             </a:r>
-            <a:endParaRPr lang="zh-CN" altLang="en-US">
-              <a:latin typeface="Arial" panose="020B0604020202020204" pitchFamily="34" charset="0"/>
-              <a:cs typeface="Arial" panose="020B0604020202020204" pitchFamily="34" charset="0"/>
-            </a:endParaRPr>
           </a:p>
         </p:txBody>
       </p:sp>
@@ -24836,11 +24247,11 @@
   <p:clrMapOvr>
     <a:masterClrMapping/>
   </p:clrMapOvr>
-  <mc:AlternateContent xmlns:mc="http://schemas.openxmlformats.org/markup-compatibility/2006">
-    <mc:Choice xmlns:p14="http://schemas.microsoft.com/office/powerpoint/2010/main" Requires="p14">
-      <p:transition p14:dur="500"/>
+  <mc:AlternateContent xmlns:mc="http://schemas.openxmlformats.org/markup-compatibility/2006" xmlns:p14="http://schemas.microsoft.com/office/powerpoint/2010/main">
+    <mc:Choice Requires="p14">
+      <p:transition/>
     </mc:Choice>
-    <mc:Fallback>
+    <mc:Fallback xmlns="">
       <p:transition/>
     </mc:Fallback>
   </mc:AlternateContent>
@@ -25072,13 +24483,6 @@
               </a:rPr>
               <a:t>请您单击此处添加合适文字加以说明，可根据自己的需要适当地调整文字大小或者颜色等属性。</a:t>
             </a:r>
-            <a:endParaRPr lang="zh-CN" altLang="en-US" sz="1600" kern="0" dirty="0">
-              <a:solidFill>
-                <a:schemeClr val="bg1"/>
-              </a:solidFill>
-              <a:latin typeface="思源黑体 CN Normal" panose="020B0400000000000000" charset="-122"/>
-              <a:ea typeface="思源黑体 CN Normal" panose="020B0400000000000000" charset="-122"/>
-            </a:endParaRPr>
           </a:p>
         </p:txBody>
       </p:sp>
@@ -25180,21 +24584,6 @@
                 </a:rPr>
                 <a:t>遍历这棵树的同时回溯的时候进行递推。</a:t>
               </a:r>
-              <a:endParaRPr kumimoji="0" lang="zh-CN" altLang="en-US" sz="2000" u="none" strike="noStrike" kern="0" cap="none" spc="0" normalizeH="0" baseline="0" noProof="0" dirty="0">
-                <a:ln>
-                  <a:noFill/>
-                </a:ln>
-                <a:solidFill>
-                  <a:schemeClr val="tx1"/>
-                </a:solidFill>
-                <a:effectLst/>
-                <a:uLnTx/>
-                <a:uFillTx/>
-                <a:latin typeface="Cambria Math" panose="02040503050406030204" charset="0"/>
-                <a:ea typeface="思源黑体 CN Normal" panose="020B0400000000000000" charset="-122"/>
-                <a:cs typeface="Cambria Math" panose="02040503050406030204" charset="0"/>
-                <a:sym typeface="思源黑体 CN Bold" panose="020B0800000000000000" pitchFamily="34" charset="-122"/>
-              </a:endParaRPr>
             </a:p>
             <a:p>
               <a:pPr marL="285750" indent="-285750">
@@ -25390,10 +24779,6 @@
                   </a:rPr>
                   <a:t>引入</a:t>
                 </a:r>
-                <a:endParaRPr lang="zh-CN" altLang="en-US" sz="3200" b="1" dirty="0">
-                  <a:cs typeface="+mn-ea"/>
-                  <a:sym typeface="+mn-lt"/>
-                </a:endParaRPr>
               </a:p>
             </p:txBody>
           </p:sp>
@@ -25720,7 +25105,7 @@
           <p:nvPr/>
         </p:nvPicPr>
         <p:blipFill>
-          <a:blip r:embed="rId1"/>
+          <a:blip r:embed="rId3"/>
           <a:stretch>
             <a:fillRect/>
           </a:stretch>
@@ -25740,11 +25125,11 @@
   <p:clrMapOvr>
     <a:masterClrMapping/>
   </p:clrMapOvr>
-  <mc:AlternateContent xmlns:mc="http://schemas.openxmlformats.org/markup-compatibility/2006">
-    <mc:Choice xmlns:p14="http://schemas.microsoft.com/office/powerpoint/2010/main" Requires="p14">
-      <p:transition p14:dur="500"/>
+  <mc:AlternateContent xmlns:mc="http://schemas.openxmlformats.org/markup-compatibility/2006" xmlns:p14="http://schemas.microsoft.com/office/powerpoint/2010/main">
+    <mc:Choice Requires="p14">
+      <p:transition/>
     </mc:Choice>
-    <mc:Fallback>
+    <mc:Fallback xmlns="">
       <p:transition/>
     </mc:Fallback>
   </mc:AlternateContent>
@@ -25976,13 +25361,6 @@
               </a:rPr>
               <a:t>请您单击此处添加合适文字加以说明，可根据自己的需要适当地调整文字大小或者颜色等属性。</a:t>
             </a:r>
-            <a:endParaRPr lang="zh-CN" altLang="en-US" sz="1600" kern="0" dirty="0">
-              <a:solidFill>
-                <a:schemeClr val="bg1"/>
-              </a:solidFill>
-              <a:latin typeface="思源黑体 CN Normal" panose="020B0400000000000000" charset="-122"/>
-              <a:ea typeface="思源黑体 CN Normal" panose="020B0400000000000000" charset="-122"/>
-            </a:endParaRPr>
           </a:p>
         </p:txBody>
       </p:sp>
@@ -26207,10 +25585,6 @@
                   </a:rPr>
                   <a:t>树形背包</a:t>
                 </a:r>
-                <a:endParaRPr lang="zh-CN" altLang="en-US" sz="3200" b="1" dirty="0">
-                  <a:cs typeface="+mn-ea"/>
-                  <a:sym typeface="+mn-lt"/>
-                </a:endParaRPr>
               </a:p>
             </p:txBody>
           </p:sp>
@@ -26537,7 +25911,7 @@
           <p:nvPr/>
         </p:nvPicPr>
         <p:blipFill>
-          <a:blip r:embed="rId1"/>
+          <a:blip r:embed="rId2"/>
           <a:stretch>
             <a:fillRect/>
           </a:stretch>
@@ -26552,16 +25926,45 @@
           </a:prstGeom>
         </p:spPr>
       </p:pic>
+      <p:sp>
+        <p:nvSpPr>
+          <p:cNvPr id="2" name="文本框 1"/>
+          <p:cNvSpPr txBox="1"/>
+          <p:nvPr/>
+        </p:nvSpPr>
+        <p:spPr>
+          <a:xfrm>
+            <a:off x="5123145" y="527638"/>
+            <a:ext cx="3369502" cy="369332"/>
+          </a:xfrm>
+          <a:prstGeom prst="rect">
+            <a:avLst/>
+          </a:prstGeom>
+          <a:noFill/>
+        </p:spPr>
+        <p:txBody>
+          <a:bodyPr wrap="square" rtlCol="0">
+            <a:spAutoFit/>
+          </a:bodyPr>
+          <a:lstStyle/>
+          <a:p>
+            <a:r>
+              <a:rPr lang="en-US" altLang="zh-CN" smtClean="0"/>
+              <a:t>P2014</a:t>
+            </a:r>
+          </a:p>
+        </p:txBody>
+      </p:sp>
     </p:spTree>
   </p:cSld>
   <p:clrMapOvr>
     <a:masterClrMapping/>
   </p:clrMapOvr>
-  <mc:AlternateContent xmlns:mc="http://schemas.openxmlformats.org/markup-compatibility/2006">
-    <mc:Choice xmlns:p14="http://schemas.microsoft.com/office/powerpoint/2010/main" Requires="p14">
-      <p:transition p14:dur="500"/>
+  <mc:AlternateContent xmlns:mc="http://schemas.openxmlformats.org/markup-compatibility/2006" xmlns:p14="http://schemas.microsoft.com/office/powerpoint/2010/main">
+    <mc:Choice Requires="p14">
+      <p:transition/>
     </mc:Choice>
-    <mc:Fallback>
+    <mc:Fallback xmlns="">
       <p:transition/>
     </mc:Fallback>
   </mc:AlternateContent>
@@ -26800,13 +26203,6 @@
               </a:rPr>
               <a:t>请您单击此处添加合适文字加以说明，可根据自己的需要适当地调整文字大小或者颜色等属性。</a:t>
             </a:r>
-            <a:endParaRPr lang="zh-CN" altLang="en-US" sz="1600" kern="0" dirty="0">
-              <a:solidFill>
-                <a:schemeClr val="bg1"/>
-              </a:solidFill>
-              <a:latin typeface="思源黑体 CN Normal" panose="020B0400000000000000" charset="-122"/>
-              <a:ea typeface="思源黑体 CN Normal" panose="020B0400000000000000" charset="-122"/>
-            </a:endParaRPr>
           </a:p>
         </p:txBody>
       </p:sp>
@@ -27027,21 +26423,6 @@
                 </a:rPr>
                 <a:t>。</a:t>
               </a:r>
-              <a:endParaRPr lang="zh-CN" altLang="en-US" sz="2000" kern="0" noProof="0" dirty="0">
-                <a:ln>
-                  <a:noFill/>
-                </a:ln>
-                <a:solidFill>
-                  <a:schemeClr val="tx1"/>
-                </a:solidFill>
-                <a:effectLst/>
-                <a:uLnTx/>
-                <a:uFillTx/>
-                <a:latin typeface="微软雅黑" panose="020B0503020204020204" charset="-122"/>
-                <a:ea typeface="微软雅黑" panose="020B0503020204020204" charset="-122"/>
-                <a:cs typeface="微软雅黑" panose="020B0503020204020204" charset="-122"/>
-                <a:sym typeface="+mn-ea"/>
-              </a:endParaRPr>
             </a:p>
             <a:p>
               <a:pPr indent="0">
@@ -27201,21 +26582,6 @@
                 </a:rPr>
                 <a:t>个课程，权值最大是多少。那么如何转移呢？</a:t>
               </a:r>
-              <a:endParaRPr lang="zh-CN" altLang="en-US" sz="2000" kern="0" noProof="0" dirty="0">
-                <a:ln>
-                  <a:noFill/>
-                </a:ln>
-                <a:solidFill>
-                  <a:schemeClr val="tx1"/>
-                </a:solidFill>
-                <a:effectLst/>
-                <a:uLnTx/>
-                <a:uFillTx/>
-                <a:latin typeface="微软雅黑" panose="020B0503020204020204" charset="-122"/>
-                <a:ea typeface="微软雅黑" panose="020B0503020204020204" charset="-122"/>
-                <a:cs typeface="微软雅黑" panose="020B0503020204020204" charset="-122"/>
-                <a:sym typeface="+mn-ea"/>
-              </a:endParaRPr>
             </a:p>
             <a:p>
               <a:pPr indent="0">
@@ -27375,21 +26741,6 @@
                 </a:rPr>
                 <a:t>的价值。</a:t>
               </a:r>
-              <a:endParaRPr lang="zh-CN" altLang="en-US" sz="2000" kern="0" noProof="0" dirty="0">
-                <a:ln>
-                  <a:noFill/>
-                </a:ln>
-                <a:solidFill>
-                  <a:schemeClr val="tx1"/>
-                </a:solidFill>
-                <a:effectLst/>
-                <a:uLnTx/>
-                <a:uFillTx/>
-                <a:latin typeface="微软雅黑" panose="020B0503020204020204" charset="-122"/>
-                <a:ea typeface="微软雅黑" panose="020B0503020204020204" charset="-122"/>
-                <a:cs typeface="微软雅黑" panose="020B0503020204020204" charset="-122"/>
-                <a:sym typeface="+mn-ea"/>
-              </a:endParaRPr>
             </a:p>
             <a:p>
               <a:pPr indent="0">
@@ -27553,10 +26904,6 @@
                   </a:rPr>
                   <a:t>树形背包</a:t>
                 </a:r>
-                <a:endParaRPr lang="zh-CN" altLang="en-US" sz="3200" b="1" dirty="0">
-                  <a:cs typeface="+mn-ea"/>
-                  <a:sym typeface="+mn-lt"/>
-                </a:endParaRPr>
               </a:p>
             </p:txBody>
           </p:sp>
@@ -27879,11 +27226,11 @@
   <p:clrMapOvr>
     <a:masterClrMapping/>
   </p:clrMapOvr>
-  <mc:AlternateContent xmlns:mc="http://schemas.openxmlformats.org/markup-compatibility/2006">
-    <mc:Choice xmlns:p14="http://schemas.microsoft.com/office/powerpoint/2010/main" Requires="p14">
-      <p:transition p14:dur="500"/>
+  <mc:AlternateContent xmlns:mc="http://schemas.openxmlformats.org/markup-compatibility/2006" xmlns:p14="http://schemas.microsoft.com/office/powerpoint/2010/main">
+    <mc:Choice Requires="p14">
+      <p:transition/>
     </mc:Choice>
-    <mc:Fallback>
+    <mc:Fallback xmlns="">
       <p:transition/>
     </mc:Fallback>
   </mc:AlternateContent>
@@ -28122,13 +27469,6 @@
               </a:rPr>
               <a:t>请您单击此处添加合适文字加以说明，可根据自己的需要适当地调整文字大小或者颜色等属性。</a:t>
             </a:r>
-            <a:endParaRPr lang="zh-CN" altLang="en-US" sz="1600" kern="0" dirty="0">
-              <a:solidFill>
-                <a:schemeClr val="bg1"/>
-              </a:solidFill>
-              <a:latin typeface="思源黑体 CN Normal" panose="020B0400000000000000" charset="-122"/>
-              <a:ea typeface="思源黑体 CN Normal" panose="020B0400000000000000" charset="-122"/>
-            </a:endParaRPr>
           </a:p>
         </p:txBody>
       </p:sp>
@@ -28241,21 +27581,6 @@
                 </a:rPr>
                 <a:t>我们将之前的知识点结合，可以写出如下代码：</a:t>
               </a:r>
-              <a:endParaRPr lang="zh-CN" altLang="en-US" sz="2000" kern="0" noProof="0" dirty="0">
-                <a:ln>
-                  <a:noFill/>
-                </a:ln>
-                <a:solidFill>
-                  <a:schemeClr val="tx1"/>
-                </a:solidFill>
-                <a:effectLst/>
-                <a:uLnTx/>
-                <a:uFillTx/>
-                <a:latin typeface="微软雅黑" panose="020B0503020204020204" charset="-122"/>
-                <a:ea typeface="微软雅黑" panose="020B0503020204020204" charset="-122"/>
-                <a:cs typeface="微软雅黑" panose="020B0503020204020204" charset="-122"/>
-                <a:sym typeface="+mn-ea"/>
-              </a:endParaRPr>
             </a:p>
             <a:p>
               <a:pPr indent="0">
@@ -28355,21 +27680,6 @@
                 </a:rPr>
                 <a:t>选取的重量是多少，然后采用线性背包类似的方法转移。</a:t>
               </a:r>
-              <a:endParaRPr lang="zh-CN" altLang="en-US" sz="2000" kern="0" noProof="0" dirty="0">
-                <a:ln>
-                  <a:noFill/>
-                </a:ln>
-                <a:solidFill>
-                  <a:schemeClr val="tx1"/>
-                </a:solidFill>
-                <a:effectLst/>
-                <a:uLnTx/>
-                <a:uFillTx/>
-                <a:latin typeface="微软雅黑" panose="020B0503020204020204" charset="-122"/>
-                <a:ea typeface="微软雅黑" panose="020B0503020204020204" charset="-122"/>
-                <a:cs typeface="微软雅黑" panose="020B0503020204020204" charset="-122"/>
-                <a:sym typeface="+mn-ea"/>
-              </a:endParaRPr>
             </a:p>
             <a:p>
               <a:pPr indent="0">
@@ -28397,21 +27707,6 @@
                 </a:rPr>
                 <a:t>但是，这个份代码无法</a:t>
               </a:r>
-              <a:endParaRPr lang="zh-CN" altLang="en-US" sz="2000" kern="0" noProof="0" dirty="0">
-                <a:ln>
-                  <a:noFill/>
-                </a:ln>
-                <a:solidFill>
-                  <a:schemeClr val="tx1"/>
-                </a:solidFill>
-                <a:effectLst/>
-                <a:uLnTx/>
-                <a:uFillTx/>
-                <a:latin typeface="微软雅黑" panose="020B0503020204020204" charset="-122"/>
-                <a:ea typeface="微软雅黑" panose="020B0503020204020204" charset="-122"/>
-                <a:cs typeface="微软雅黑" panose="020B0503020204020204" charset="-122"/>
-                <a:sym typeface="+mn-ea"/>
-              </a:endParaRPr>
             </a:p>
             <a:p>
               <a:pPr indent="0">
@@ -28439,21 +27734,6 @@
                 </a:rPr>
                 <a:t>通过此题，因为对于每个</a:t>
               </a:r>
-              <a:endParaRPr lang="zh-CN" altLang="en-US" sz="2000" kern="0" noProof="0" dirty="0">
-                <a:ln>
-                  <a:noFill/>
-                </a:ln>
-                <a:solidFill>
-                  <a:schemeClr val="tx1"/>
-                </a:solidFill>
-                <a:effectLst/>
-                <a:uLnTx/>
-                <a:uFillTx/>
-                <a:latin typeface="微软雅黑" panose="020B0503020204020204" charset="-122"/>
-                <a:ea typeface="微软雅黑" panose="020B0503020204020204" charset="-122"/>
-                <a:cs typeface="微软雅黑" panose="020B0503020204020204" charset="-122"/>
-                <a:sym typeface="+mn-ea"/>
-              </a:endParaRPr>
             </a:p>
             <a:p>
               <a:pPr indent="0">
@@ -28481,21 +27761,6 @@
                 </a:rPr>
                 <a:t>节点，我们可能重复选取</a:t>
               </a:r>
-              <a:endParaRPr lang="zh-CN" altLang="en-US" sz="2000" kern="0" noProof="0" dirty="0">
-                <a:ln>
-                  <a:noFill/>
-                </a:ln>
-                <a:solidFill>
-                  <a:schemeClr val="tx1"/>
-                </a:solidFill>
-                <a:effectLst/>
-                <a:uLnTx/>
-                <a:uFillTx/>
-                <a:latin typeface="微软雅黑" panose="020B0503020204020204" charset="-122"/>
-                <a:ea typeface="微软雅黑" panose="020B0503020204020204" charset="-122"/>
-                <a:cs typeface="微软雅黑" panose="020B0503020204020204" charset="-122"/>
-                <a:sym typeface="+mn-ea"/>
-              </a:endParaRPr>
             </a:p>
             <a:p>
               <a:pPr indent="0">
@@ -28523,21 +27788,6 @@
                 </a:rPr>
                 <a:t>同一个的节点的不同重量</a:t>
               </a:r>
-              <a:endParaRPr lang="zh-CN" altLang="en-US" sz="2000" kern="0" noProof="0" dirty="0">
-                <a:ln>
-                  <a:noFill/>
-                </a:ln>
-                <a:solidFill>
-                  <a:schemeClr val="tx1"/>
-                </a:solidFill>
-                <a:effectLst/>
-                <a:uLnTx/>
-                <a:uFillTx/>
-                <a:latin typeface="微软雅黑" panose="020B0503020204020204" charset="-122"/>
-                <a:ea typeface="微软雅黑" panose="020B0503020204020204" charset="-122"/>
-                <a:cs typeface="微软雅黑" panose="020B0503020204020204" charset="-122"/>
-                <a:sym typeface="+mn-ea"/>
-              </a:endParaRPr>
             </a:p>
             <a:p>
               <a:pPr indent="0">
@@ -28565,21 +27815,6 @@
                 </a:rPr>
                 <a:t>放进背包，而根据题意，</a:t>
               </a:r>
-              <a:endParaRPr lang="zh-CN" altLang="en-US" sz="2000" kern="0" noProof="0" dirty="0">
-                <a:ln>
-                  <a:noFill/>
-                </a:ln>
-                <a:solidFill>
-                  <a:schemeClr val="tx1"/>
-                </a:solidFill>
-                <a:effectLst/>
-                <a:uLnTx/>
-                <a:uFillTx/>
-                <a:latin typeface="微软雅黑" panose="020B0503020204020204" charset="-122"/>
-                <a:ea typeface="微软雅黑" panose="020B0503020204020204" charset="-122"/>
-                <a:cs typeface="微软雅黑" panose="020B0503020204020204" charset="-122"/>
-                <a:sym typeface="+mn-ea"/>
-              </a:endParaRPr>
             </a:p>
             <a:p>
               <a:pPr indent="0">
@@ -28607,21 +27842,6 @@
                 </a:rPr>
                 <a:t>这样是不合法的。所以我</a:t>
               </a:r>
-              <a:endParaRPr lang="zh-CN" altLang="en-US" sz="2000" kern="0" noProof="0" dirty="0">
-                <a:ln>
-                  <a:noFill/>
-                </a:ln>
-                <a:solidFill>
-                  <a:schemeClr val="tx1"/>
-                </a:solidFill>
-                <a:effectLst/>
-                <a:uLnTx/>
-                <a:uFillTx/>
-                <a:latin typeface="微软雅黑" panose="020B0503020204020204" charset="-122"/>
-                <a:ea typeface="微软雅黑" panose="020B0503020204020204" charset="-122"/>
-                <a:cs typeface="微软雅黑" panose="020B0503020204020204" charset="-122"/>
-                <a:sym typeface="+mn-ea"/>
-              </a:endParaRPr>
             </a:p>
             <a:p>
               <a:pPr indent="0">
@@ -28685,21 +27905,6 @@
                 </a:rPr>
                 <a:t>的一维</a:t>
               </a:r>
-              <a:endParaRPr lang="zh-CN" altLang="en-US" sz="2000" kern="0" noProof="0" dirty="0">
-                <a:ln>
-                  <a:noFill/>
-                </a:ln>
-                <a:solidFill>
-                  <a:schemeClr val="tx1"/>
-                </a:solidFill>
-                <a:effectLst/>
-                <a:uLnTx/>
-                <a:uFillTx/>
-                <a:latin typeface="微软雅黑" panose="020B0503020204020204" charset="-122"/>
-                <a:ea typeface="微软雅黑" panose="020B0503020204020204" charset="-122"/>
-                <a:cs typeface="微软雅黑" panose="020B0503020204020204" charset="-122"/>
-                <a:sym typeface="+mn-ea"/>
-              </a:endParaRPr>
             </a:p>
             <a:p>
               <a:pPr indent="0">
@@ -28727,21 +27932,6 @@
                 </a:rPr>
                 <a:t>来表示这个子节点是否被</a:t>
               </a:r>
-              <a:endParaRPr lang="zh-CN" altLang="en-US" sz="2000" kern="0" noProof="0" dirty="0">
-                <a:ln>
-                  <a:noFill/>
-                </a:ln>
-                <a:solidFill>
-                  <a:schemeClr val="tx1"/>
-                </a:solidFill>
-                <a:effectLst/>
-                <a:uLnTx/>
-                <a:uFillTx/>
-                <a:latin typeface="微软雅黑" panose="020B0503020204020204" charset="-122"/>
-                <a:ea typeface="微软雅黑" panose="020B0503020204020204" charset="-122"/>
-                <a:cs typeface="微软雅黑" panose="020B0503020204020204" charset="-122"/>
-                <a:sym typeface="+mn-ea"/>
-              </a:endParaRPr>
             </a:p>
             <a:p>
               <a:pPr indent="0">
@@ -28769,21 +27959,6 @@
                 </a:rPr>
                 <a:t>选过了，或者多开一个</a:t>
               </a:r>
-              <a:endParaRPr lang="zh-CN" altLang="en-US" sz="2000" kern="0" noProof="0" dirty="0">
-                <a:ln>
-                  <a:noFill/>
-                </a:ln>
-                <a:solidFill>
-                  <a:schemeClr val="tx1"/>
-                </a:solidFill>
-                <a:effectLst/>
-                <a:uLnTx/>
-                <a:uFillTx/>
-                <a:latin typeface="微软雅黑" panose="020B0503020204020204" charset="-122"/>
-                <a:ea typeface="微软雅黑" panose="020B0503020204020204" charset="-122"/>
-                <a:cs typeface="微软雅黑" panose="020B0503020204020204" charset="-122"/>
-                <a:sym typeface="+mn-ea"/>
-              </a:endParaRPr>
             </a:p>
             <a:p>
               <a:pPr indent="0">
@@ -28847,21 +28022,6 @@
                 </a:rPr>
                 <a:t>来进行记录。</a:t>
               </a:r>
-              <a:endParaRPr lang="zh-CN" altLang="en-US" sz="2000" kern="0" noProof="0" dirty="0">
-                <a:ln>
-                  <a:noFill/>
-                </a:ln>
-                <a:solidFill>
-                  <a:schemeClr val="tx1"/>
-                </a:solidFill>
-                <a:effectLst/>
-                <a:uLnTx/>
-                <a:uFillTx/>
-                <a:latin typeface="微软雅黑" panose="020B0503020204020204" charset="-122"/>
-                <a:ea typeface="微软雅黑" panose="020B0503020204020204" charset="-122"/>
-                <a:cs typeface="微软雅黑" panose="020B0503020204020204" charset="-122"/>
-                <a:sym typeface="+mn-ea"/>
-              </a:endParaRPr>
             </a:p>
           </p:txBody>
         </p:sp>
@@ -28977,10 +28137,6 @@
                   </a:rPr>
                   <a:t>树形背包</a:t>
                 </a:r>
-                <a:endParaRPr lang="zh-CN" altLang="en-US" sz="3200" b="1" dirty="0">
-                  <a:cs typeface="+mn-ea"/>
-                  <a:sym typeface="+mn-lt"/>
-                </a:endParaRPr>
               </a:p>
             </p:txBody>
           </p:sp>
@@ -29307,7 +28463,7 @@
           <p:nvPr/>
         </p:nvPicPr>
         <p:blipFill>
-          <a:blip r:embed="rId1"/>
+          <a:blip r:embed="rId2"/>
           <a:stretch>
             <a:fillRect/>
           </a:stretch>
@@ -29327,11 +28483,11 @@
   <p:clrMapOvr>
     <a:masterClrMapping/>
   </p:clrMapOvr>
-  <mc:AlternateContent xmlns:mc="http://schemas.openxmlformats.org/markup-compatibility/2006">
-    <mc:Choice xmlns:p14="http://schemas.microsoft.com/office/powerpoint/2010/main" Requires="p14">
-      <p:transition p14:dur="500"/>
+  <mc:AlternateContent xmlns:mc="http://schemas.openxmlformats.org/markup-compatibility/2006" xmlns:p14="http://schemas.microsoft.com/office/powerpoint/2010/main">
+    <mc:Choice Requires="p14">
+      <p:transition/>
     </mc:Choice>
-    <mc:Fallback>
+    <mc:Fallback xmlns="">
       <p:transition/>
     </mc:Fallback>
   </mc:AlternateContent>
@@ -29570,13 +28726,6 @@
               </a:rPr>
               <a:t>请您单击此处添加合适文字加以说明，可根据自己的需要适当地调整文字大小或者颜色等属性。</a:t>
             </a:r>
-            <a:endParaRPr lang="zh-CN" altLang="en-US" sz="1600" kern="0" dirty="0">
-              <a:solidFill>
-                <a:schemeClr val="bg1"/>
-              </a:solidFill>
-              <a:latin typeface="思源黑体 CN Normal" panose="020B0400000000000000" charset="-122"/>
-              <a:ea typeface="思源黑体 CN Normal" panose="020B0400000000000000" charset="-122"/>
-            </a:endParaRPr>
           </a:p>
         </p:txBody>
       </p:sp>
@@ -29797,21 +28946,6 @@
                 </a:rPr>
                 <a:t>数组转移，到最后做完一个节点之后才进行拷贝，这样保证每个节点只选了一个重量。</a:t>
               </a:r>
-              <a:endParaRPr lang="zh-CN" altLang="en-US" sz="2000" kern="0" noProof="0" dirty="0">
-                <a:ln>
-                  <a:noFill/>
-                </a:ln>
-                <a:solidFill>
-                  <a:schemeClr val="tx1"/>
-                </a:solidFill>
-                <a:effectLst/>
-                <a:uLnTx/>
-                <a:uFillTx/>
-                <a:latin typeface="微软雅黑" panose="020B0503020204020204" charset="-122"/>
-                <a:ea typeface="微软雅黑" panose="020B0503020204020204" charset="-122"/>
-                <a:cs typeface="微软雅黑" panose="020B0503020204020204" charset="-122"/>
-                <a:sym typeface="+mn-ea"/>
-              </a:endParaRPr>
             </a:p>
             <a:p>
               <a:pPr indent="0">
@@ -29951,10 +29085,6 @@
                   </a:rPr>
                   <a:t>树形背包</a:t>
                 </a:r>
-                <a:endParaRPr lang="zh-CN" altLang="en-US" sz="3200" b="1" dirty="0">
-                  <a:cs typeface="+mn-ea"/>
-                  <a:sym typeface="+mn-lt"/>
-                </a:endParaRPr>
               </a:p>
             </p:txBody>
           </p:sp>
@@ -30281,7 +29411,7 @@
           <p:nvPr/>
         </p:nvPicPr>
         <p:blipFill>
-          <a:blip r:embed="rId1"/>
+          <a:blip r:embed="rId2"/>
           <a:stretch>
             <a:fillRect/>
           </a:stretch>
@@ -30301,11 +29431,11 @@
   <p:clrMapOvr>
     <a:masterClrMapping/>
   </p:clrMapOvr>
-  <mc:AlternateContent xmlns:mc="http://schemas.openxmlformats.org/markup-compatibility/2006">
-    <mc:Choice xmlns:p14="http://schemas.microsoft.com/office/powerpoint/2010/main" Requires="p14">
-      <p:transition p14:dur="500"/>
+  <mc:AlternateContent xmlns:mc="http://schemas.openxmlformats.org/markup-compatibility/2006" xmlns:p14="http://schemas.microsoft.com/office/powerpoint/2010/main">
+    <mc:Choice Requires="p14">
+      <p:transition/>
     </mc:Choice>
-    <mc:Fallback>
+    <mc:Fallback xmlns="">
       <p:transition/>
     </mc:Fallback>
   </mc:AlternateContent>
@@ -30544,13 +29674,6 @@
               </a:rPr>
               <a:t>请您单击此处添加合适文字加以说明，可根据自己的需要适当地调整文字大小或者颜色等属性。</a:t>
             </a:r>
-            <a:endParaRPr lang="zh-CN" altLang="en-US" sz="1600" kern="0" dirty="0">
-              <a:solidFill>
-                <a:schemeClr val="bg1"/>
-              </a:solidFill>
-              <a:latin typeface="思源黑体 CN Normal" panose="020B0400000000000000" charset="-122"/>
-              <a:ea typeface="思源黑体 CN Normal" panose="020B0400000000000000" charset="-122"/>
-            </a:endParaRPr>
           </a:p>
         </p:txBody>
       </p:sp>
@@ -30813,10 +29936,6 @@
                   </a:rPr>
                   <a:t>真题</a:t>
                 </a:r>
-                <a:endParaRPr lang="zh-CN" altLang="en-US" sz="3200" b="1" dirty="0">
-                  <a:cs typeface="+mn-ea"/>
-                  <a:sym typeface="+mn-lt"/>
-                </a:endParaRPr>
               </a:p>
             </p:txBody>
           </p:sp>
@@ -31143,7 +30262,7 @@
           <p:nvPr/>
         </p:nvPicPr>
         <p:blipFill>
-          <a:blip r:embed="rId1"/>
+          <a:blip r:embed="rId2"/>
           <a:stretch>
             <a:fillRect/>
           </a:stretch>
@@ -31167,7 +30286,7 @@
           <p:nvPr/>
         </p:nvPicPr>
         <p:blipFill>
-          <a:blip r:embed="rId2"/>
+          <a:blip r:embed="rId3"/>
           <a:stretch>
             <a:fillRect/>
           </a:stretch>
@@ -31187,11 +30306,11 @@
   <p:clrMapOvr>
     <a:masterClrMapping/>
   </p:clrMapOvr>
-  <mc:AlternateContent xmlns:mc="http://schemas.openxmlformats.org/markup-compatibility/2006">
-    <mc:Choice xmlns:p14="http://schemas.microsoft.com/office/powerpoint/2010/main" Requires="p14">
-      <p:transition p14:dur="500"/>
+  <mc:AlternateContent xmlns:mc="http://schemas.openxmlformats.org/markup-compatibility/2006" xmlns:p14="http://schemas.microsoft.com/office/powerpoint/2010/main">
+    <mc:Choice Requires="p14">
+      <p:transition/>
     </mc:Choice>
-    <mc:Fallback>
+    <mc:Fallback xmlns="">
       <p:transition/>
     </mc:Fallback>
   </mc:AlternateContent>
@@ -31206,8 +30325,8 @@
 </file>
 
 <file path=ppt/tags/tag1.xml><?xml version="1.0" encoding="utf-8"?>
-<p:tagLst xmlns:p="http://schemas.openxmlformats.org/presentationml/2006/main">
-  <p:tag name="commondata" val="eyJoZGlkIjoiOGMxNWYyYjcxMmMzYmU0MjFkZmYyNThiMWI4MDNmNWMifQ=="/>
+<p:tagLst xmlns:a="http://schemas.openxmlformats.org/drawingml/2006/main" xmlns:r="http://schemas.openxmlformats.org/officeDocument/2006/relationships" xmlns:p="http://schemas.openxmlformats.org/presentationml/2006/main">
+  <p:tag name="COMMONDATA" val="eyJoZGlkIjoiOGMxNWYyYjcxMmMzYmU0MjFkZmYyNThiMWI4MDNmNWMifQ=="/>
 </p:tagLst>
 </file>
 
@@ -31462,6 +30581,8 @@
       </a:bgFillStyleLst>
     </a:fmtScheme>
   </a:themeElements>
+  <a:objectDefaults/>
+  <a:extraClrSchemeLst/>
   <a:extLst>
     <a:ext uri="{05A4C25C-085E-4340-85A3-A5531E510DB2}">
       <thm15:themeFamily xmlns:thm15="http://schemas.microsoft.com/office/thememl/2012/main" name="Office Theme" id="{62F939B6-93AF-4DB8-9C6B-D6C7DFDC589F}" vid="{4A3C46E8-61CC-4603-A589-7422A47A8E4A}"/>
@@ -31661,6 +30782,8 @@
       </a:bgFillStyleLst>
     </a:fmtScheme>
   </a:themeElements>
+  <a:objectDefaults/>
+  <a:extraClrSchemeLst/>
   <a:extLst>
     <a:ext uri="{05A4C25C-085E-4340-85A3-A5531E510DB2}">
       <thm15:themeFamily xmlns:thm15="http://schemas.microsoft.com/office/thememl/2012/main" name="Office Theme" id="{62F939B6-93AF-4DB8-9C6B-D6C7DFDC589F}" vid="{4A3C46E8-61CC-4603-A589-7422A47A8E4A}"/>
@@ -31920,6 +31043,8 @@
       </a:bgFillStyleLst>
     </a:fmtScheme>
   </a:themeElements>
+  <a:objectDefaults/>
+  <a:extraClrSchemeLst/>
   <a:extLst>
     <a:ext uri="{05A4C25C-085E-4340-85A3-A5531E510DB2}">
       <thm15:themeFamily xmlns:thm15="http://schemas.microsoft.com/office/thememl/2012/main" name="Office Theme" id="{62F939B6-93AF-4DB8-9C6B-D6C7DFDC589F}" vid="{4A3C46E8-61CC-4603-A589-7422A47A8E4A}"/>
@@ -32179,6 +31304,8 @@
       </a:bgFillStyleLst>
     </a:fmtScheme>
   </a:themeElements>
+  <a:objectDefaults/>
+  <a:extraClrSchemeLst/>
   <a:extLst>
     <a:ext uri="{05A4C25C-085E-4340-85A3-A5531E510DB2}">
       <thm15:themeFamily xmlns:thm15="http://schemas.microsoft.com/office/thememl/2012/main" name="Office Theme" id="{62F939B6-93AF-4DB8-9C6B-D6C7DFDC589F}" vid="{4A3C46E8-61CC-4603-A589-7422A47A8E4A}"/>
